--- a/the most creative powerpoint game.pptx
+++ b/the most creative powerpoint game.pptx
@@ -12,6 +12,9 @@
     <p:sldId id="260" r:id="rId6"/>
     <p:sldId id="261" r:id="rId7"/>
     <p:sldId id="262" r:id="rId8"/>
+    <p:sldId id="263" r:id="rId9"/>
+    <p:sldId id="264" r:id="rId10"/>
+    <p:sldId id="265" r:id="rId11"/>
   </p:sldIdLst>
   <p:sldSz cx="12192000" cy="6858000"/>
   <p:notesSz cx="6858000" cy="9144000"/>
@@ -110,6 +113,11 @@
       </a:defRPr>
     </a:lvl9pPr>
   </p:defaultTextStyle>
+  <p:extLst>
+    <p:ext uri="{EFAFB233-063F-42B5-8137-9DF3F51BA10A}">
+      <p15:sldGuideLst xmlns:p15="http://schemas.microsoft.com/office/powerpoint/2012/main"/>
+    </p:ext>
+  </p:extLst>
 </p:presentation>
 </file>
 
@@ -3716,6 +3724,673 @@
 </p:sld>
 </file>
 
+<file path=ppt/slides/slide10.xml><?xml version="1.0" encoding="utf-8"?>
+<p:sld xmlns:a="http://schemas.openxmlformats.org/drawingml/2006/main" xmlns:r="http://schemas.openxmlformats.org/officeDocument/2006/relationships" xmlns:p="http://schemas.openxmlformats.org/presentationml/2006/main">
+  <p:cSld>
+    <p:spTree>
+      <p:nvGrpSpPr>
+        <p:cNvPr id="1" name=""/>
+        <p:cNvGrpSpPr/>
+        <p:nvPr/>
+      </p:nvGrpSpPr>
+      <p:grpSpPr>
+        <a:xfrm>
+          <a:off x="0" y="0"/>
+          <a:ext cx="0" cy="0"/>
+          <a:chOff x="0" y="0"/>
+          <a:chExt cx="0" cy="0"/>
+        </a:xfrm>
+      </p:grpSpPr>
+      <p:sp>
+        <p:nvSpPr>
+          <p:cNvPr id="2" name="Title 1">
+            <a:extLst>
+              <a:ext uri="{FF2B5EF4-FFF2-40B4-BE49-F238E27FC236}">
+                <a16:creationId xmlns:a16="http://schemas.microsoft.com/office/drawing/2014/main" id="{12CA137F-FF76-4C3C-A4EB-8189A77C0E02}"/>
+              </a:ext>
+            </a:extLst>
+          </p:cNvPr>
+          <p:cNvSpPr>
+            <a:spLocks noGrp="1"/>
+          </p:cNvSpPr>
+          <p:nvPr>
+            <p:ph type="title"/>
+          </p:nvPr>
+        </p:nvSpPr>
+        <p:spPr/>
+        <p:txBody>
+          <a:bodyPr/>
+          <a:lstStyle/>
+          <a:p>
+            <a:r>
+              <a:rPr lang="en-US" dirty="0"/>
+              <a:t>You Won the terrible slideshow game</a:t>
+            </a:r>
+          </a:p>
+        </p:txBody>
+      </p:sp>
+      <p:pic>
+        <p:nvPicPr>
+          <p:cNvPr id="5" name="Content Placeholder 4">
+            <a:extLst>
+              <a:ext uri="{FF2B5EF4-FFF2-40B4-BE49-F238E27FC236}">
+                <a16:creationId xmlns:a16="http://schemas.microsoft.com/office/drawing/2014/main" id="{3A5DB96A-1393-4491-8A3F-C176E7D7A95C}"/>
+              </a:ext>
+            </a:extLst>
+          </p:cNvPr>
+          <p:cNvPicPr>
+            <a:picLocks noGrp="1" noChangeAspect="1"/>
+          </p:cNvPicPr>
+          <p:nvPr>
+            <p:ph idx="1"/>
+          </p:nvPr>
+        </p:nvPicPr>
+        <p:blipFill>
+          <a:blip r:embed="rId4">
+            <a:extLst>
+              <a:ext uri="{28A0092B-C50C-407E-A947-70E740481C1C}">
+                <a14:useLocalDpi xmlns:a14="http://schemas.microsoft.com/office/drawing/2010/main" val="0"/>
+              </a:ext>
+            </a:extLst>
+          </a:blip>
+          <a:stretch>
+            <a:fillRect/>
+          </a:stretch>
+        </p:blipFill>
+        <p:spPr>
+          <a:xfrm>
+            <a:off x="4258892" y="1825625"/>
+            <a:ext cx="3674216" cy="4351338"/>
+          </a:xfrm>
+        </p:spPr>
+      </p:pic>
+      <p:pic>
+        <p:nvPicPr>
+          <p:cNvPr id="6" name="yt5s.com - Hooray! (Meme Sound Effect) (128 kbps)">
+            <a:hlinkClick r:id="" action="ppaction://media"/>
+            <a:extLst>
+              <a:ext uri="{FF2B5EF4-FFF2-40B4-BE49-F238E27FC236}">
+                <a16:creationId xmlns:a16="http://schemas.microsoft.com/office/drawing/2014/main" id="{BAECFE23-FDCE-4E47-9C2C-E2EACA59A32F}"/>
+              </a:ext>
+            </a:extLst>
+          </p:cNvPr>
+          <p:cNvPicPr>
+            <a:picLocks noChangeAspect="1"/>
+          </p:cNvPicPr>
+          <p:nvPr>
+            <a:audioFile r:link="rId2"/>
+            <p:extLst>
+              <p:ext uri="{DAA4B4D4-6D71-4841-9C94-3DE7FCFB9230}">
+                <p14:media xmlns:p14="http://schemas.microsoft.com/office/powerpoint/2010/main" r:embed="rId1"/>
+              </p:ext>
+            </p:extLst>
+          </p:nvPr>
+        </p:nvPicPr>
+        <p:blipFill>
+          <a:blip r:embed="rId5"/>
+          <a:stretch>
+            <a:fillRect/>
+          </a:stretch>
+        </p:blipFill>
+        <p:spPr>
+          <a:xfrm>
+            <a:off x="11887200" y="60325"/>
+            <a:ext cx="304800" cy="304800"/>
+          </a:xfrm>
+          <a:prstGeom prst="rect">
+            <a:avLst/>
+          </a:prstGeom>
+        </p:spPr>
+      </p:pic>
+      <p:pic>
+        <p:nvPicPr>
+          <p:cNvPr id="7" name="yt5s.com - Hooray! (Meme Sound Effect) (128 kbps)">
+            <a:hlinkClick r:id="" action="ppaction://media"/>
+            <a:extLst>
+              <a:ext uri="{FF2B5EF4-FFF2-40B4-BE49-F238E27FC236}">
+                <a16:creationId xmlns:a16="http://schemas.microsoft.com/office/drawing/2014/main" id="{F98EF08E-1AEC-4FBA-A642-F6932E0B0B23}"/>
+              </a:ext>
+            </a:extLst>
+          </p:cNvPr>
+          <p:cNvPicPr>
+            <a:picLocks noChangeAspect="1"/>
+          </p:cNvPicPr>
+          <p:nvPr>
+            <a:audioFile r:link="rId2"/>
+            <p:extLst>
+              <p:ext uri="{DAA4B4D4-6D71-4841-9C94-3DE7FCFB9230}">
+                <p14:media xmlns:p14="http://schemas.microsoft.com/office/powerpoint/2010/main" r:embed="rId1"/>
+              </p:ext>
+            </p:extLst>
+          </p:nvPr>
+        </p:nvPicPr>
+        <p:blipFill>
+          <a:blip r:embed="rId5"/>
+          <a:stretch>
+            <a:fillRect/>
+          </a:stretch>
+        </p:blipFill>
+        <p:spPr>
+          <a:xfrm>
+            <a:off x="12039600" y="212725"/>
+            <a:ext cx="304800" cy="304800"/>
+          </a:xfrm>
+          <a:prstGeom prst="rect">
+            <a:avLst/>
+          </a:prstGeom>
+        </p:spPr>
+      </p:pic>
+      <p:pic>
+        <p:nvPicPr>
+          <p:cNvPr id="8" name="yt5s.com - Hooray! (Meme Sound Effect) (128 kbps)">
+            <a:hlinkClick r:id="" action="ppaction://media"/>
+            <a:extLst>
+              <a:ext uri="{FF2B5EF4-FFF2-40B4-BE49-F238E27FC236}">
+                <a16:creationId xmlns:a16="http://schemas.microsoft.com/office/drawing/2014/main" id="{B3597930-5F05-4CEE-9032-5F550681D5A1}"/>
+              </a:ext>
+            </a:extLst>
+          </p:cNvPr>
+          <p:cNvPicPr>
+            <a:picLocks noChangeAspect="1"/>
+          </p:cNvPicPr>
+          <p:nvPr>
+            <a:audioFile r:link="rId2"/>
+            <p:extLst>
+              <p:ext uri="{DAA4B4D4-6D71-4841-9C94-3DE7FCFB9230}">
+                <p14:media xmlns:p14="http://schemas.microsoft.com/office/powerpoint/2010/main" r:embed="rId1"/>
+              </p:ext>
+            </p:extLst>
+          </p:nvPr>
+        </p:nvPicPr>
+        <p:blipFill>
+          <a:blip r:embed="rId5"/>
+          <a:stretch>
+            <a:fillRect/>
+          </a:stretch>
+        </p:blipFill>
+        <p:spPr>
+          <a:xfrm>
+            <a:off x="12192000" y="365125"/>
+            <a:ext cx="304800" cy="304800"/>
+          </a:xfrm>
+          <a:prstGeom prst="rect">
+            <a:avLst/>
+          </a:prstGeom>
+        </p:spPr>
+      </p:pic>
+      <p:pic>
+        <p:nvPicPr>
+          <p:cNvPr id="9" name="yt5s.com - Hooray! (Meme Sound Effect) (128 kbps)">
+            <a:hlinkClick r:id="" action="ppaction://media"/>
+            <a:extLst>
+              <a:ext uri="{FF2B5EF4-FFF2-40B4-BE49-F238E27FC236}">
+                <a16:creationId xmlns:a16="http://schemas.microsoft.com/office/drawing/2014/main" id="{45E1B9E7-C910-4432-8CEE-F8565DA04AB8}"/>
+              </a:ext>
+            </a:extLst>
+          </p:cNvPr>
+          <p:cNvPicPr>
+            <a:picLocks noChangeAspect="1"/>
+          </p:cNvPicPr>
+          <p:nvPr>
+            <a:audioFile r:link="rId2"/>
+            <p:extLst>
+              <p:ext uri="{DAA4B4D4-6D71-4841-9C94-3DE7FCFB9230}">
+                <p14:media xmlns:p14="http://schemas.microsoft.com/office/powerpoint/2010/main" r:embed="rId1"/>
+              </p:ext>
+            </p:extLst>
+          </p:nvPr>
+        </p:nvPicPr>
+        <p:blipFill>
+          <a:blip r:embed="rId5"/>
+          <a:stretch>
+            <a:fillRect/>
+          </a:stretch>
+        </p:blipFill>
+        <p:spPr>
+          <a:xfrm>
+            <a:off x="12344400" y="517525"/>
+            <a:ext cx="304800" cy="304800"/>
+          </a:xfrm>
+          <a:prstGeom prst="rect">
+            <a:avLst/>
+          </a:prstGeom>
+        </p:spPr>
+      </p:pic>
+      <p:pic>
+        <p:nvPicPr>
+          <p:cNvPr id="10" name="yt5s.com - Hooray! (Meme Sound Effect) (128 kbps)">
+            <a:hlinkClick r:id="" action="ppaction://media"/>
+            <a:extLst>
+              <a:ext uri="{FF2B5EF4-FFF2-40B4-BE49-F238E27FC236}">
+                <a16:creationId xmlns:a16="http://schemas.microsoft.com/office/drawing/2014/main" id="{AAD59885-43FB-40EC-876E-B90DA476B478}"/>
+              </a:ext>
+            </a:extLst>
+          </p:cNvPr>
+          <p:cNvPicPr>
+            <a:picLocks noChangeAspect="1"/>
+          </p:cNvPicPr>
+          <p:nvPr>
+            <a:audioFile r:link="rId2"/>
+            <p:extLst>
+              <p:ext uri="{DAA4B4D4-6D71-4841-9C94-3DE7FCFB9230}">
+                <p14:media xmlns:p14="http://schemas.microsoft.com/office/powerpoint/2010/main" r:embed="rId1"/>
+              </p:ext>
+            </p:extLst>
+          </p:nvPr>
+        </p:nvPicPr>
+        <p:blipFill>
+          <a:blip r:embed="rId5"/>
+          <a:stretch>
+            <a:fillRect/>
+          </a:stretch>
+        </p:blipFill>
+        <p:spPr>
+          <a:xfrm>
+            <a:off x="12496800" y="669925"/>
+            <a:ext cx="304800" cy="304800"/>
+          </a:xfrm>
+          <a:prstGeom prst="rect">
+            <a:avLst/>
+          </a:prstGeom>
+        </p:spPr>
+      </p:pic>
+      <p:pic>
+        <p:nvPicPr>
+          <p:cNvPr id="11" name="yt5s.com - Hooray! (Meme Sound Effect) (128 kbps)">
+            <a:hlinkClick r:id="" action="ppaction://media"/>
+            <a:extLst>
+              <a:ext uri="{FF2B5EF4-FFF2-40B4-BE49-F238E27FC236}">
+                <a16:creationId xmlns:a16="http://schemas.microsoft.com/office/drawing/2014/main" id="{D81B9AC7-8A6B-4FE5-94EA-6C9C26E09A54}"/>
+              </a:ext>
+            </a:extLst>
+          </p:cNvPr>
+          <p:cNvPicPr>
+            <a:picLocks noChangeAspect="1"/>
+          </p:cNvPicPr>
+          <p:nvPr>
+            <a:audioFile r:link="rId2"/>
+            <p:extLst>
+              <p:ext uri="{DAA4B4D4-6D71-4841-9C94-3DE7FCFB9230}">
+                <p14:media xmlns:p14="http://schemas.microsoft.com/office/powerpoint/2010/main" r:embed="rId1"/>
+              </p:ext>
+            </p:extLst>
+          </p:nvPr>
+        </p:nvPicPr>
+        <p:blipFill>
+          <a:blip r:embed="rId5"/>
+          <a:stretch>
+            <a:fillRect/>
+          </a:stretch>
+        </p:blipFill>
+        <p:spPr>
+          <a:xfrm>
+            <a:off x="12649200" y="822325"/>
+            <a:ext cx="304800" cy="304800"/>
+          </a:xfrm>
+          <a:prstGeom prst="rect">
+            <a:avLst/>
+          </a:prstGeom>
+        </p:spPr>
+      </p:pic>
+    </p:spTree>
+    <p:extLst>
+      <p:ext uri="{BB962C8B-B14F-4D97-AF65-F5344CB8AC3E}">
+        <p14:creationId xmlns:p14="http://schemas.microsoft.com/office/powerpoint/2010/main" val="1714267536"/>
+      </p:ext>
+    </p:extLst>
+  </p:cSld>
+  <p:clrMapOvr>
+    <a:masterClrMapping/>
+  </p:clrMapOvr>
+  <mc:AlternateContent xmlns:mc="http://schemas.openxmlformats.org/markup-compatibility/2006">
+    <mc:Choice xmlns:p14="http://schemas.microsoft.com/office/powerpoint/2010/main" Requires="p14">
+      <p:transition spd="slow">
+        <p14:flash/>
+      </p:transition>
+    </mc:Choice>
+    <mc:Fallback>
+      <p:transition spd="slow">
+        <p:fade/>
+      </p:transition>
+    </mc:Fallback>
+  </mc:AlternateContent>
+  <p:timing>
+    <p:tnLst>
+      <p:par>
+        <p:cTn id="1" dur="indefinite" restart="never" nodeType="tmRoot">
+          <p:childTnLst>
+            <p:seq concurrent="1" nextAc="seek">
+              <p:cTn id="2" dur="indefinite" nodeType="mainSeq">
+                <p:childTnLst>
+                  <p:par>
+                    <p:cTn id="3" fill="hold">
+                      <p:stCondLst>
+                        <p:cond delay="indefinite"/>
+                        <p:cond evt="onBegin" delay="0">
+                          <p:tn val="2"/>
+                        </p:cond>
+                      </p:stCondLst>
+                      <p:childTnLst>
+                        <p:par>
+                          <p:cTn id="4" fill="hold">
+                            <p:stCondLst>
+                              <p:cond delay="0"/>
+                            </p:stCondLst>
+                            <p:childTnLst>
+                              <p:par>
+                                <p:cTn id="5" presetID="1" presetClass="mediacall" presetSubtype="0" fill="hold" nodeType="afterEffect">
+                                  <p:stCondLst>
+                                    <p:cond delay="0"/>
+                                  </p:stCondLst>
+                                  <p:childTnLst>
+                                    <p:cmd type="call" cmd="playFrom(0.0)">
+                                      <p:cBhvr>
+                                        <p:cTn id="6" dur="2220" fill="hold"/>
+                                        <p:tgtEl>
+                                          <p:spTgt spid="6"/>
+                                        </p:tgtEl>
+                                      </p:cBhvr>
+                                    </p:cmd>
+                                  </p:childTnLst>
+                                </p:cTn>
+                              </p:par>
+                              <p:par>
+                                <p:cTn id="7" presetID="52" presetClass="path" presetSubtype="0" accel="50000" decel="50000" fill="hold" nodeType="withEffect">
+                                  <p:stCondLst>
+                                    <p:cond delay="0"/>
+                                  </p:stCondLst>
+                                  <p:childTnLst>
+                                    <p:animMotion origin="layout" path="M -0.09206 -0.57037 C -0.0931 -0.5051 -0.03203 -0.44746 0.04492 -0.44514 C 0.10599 -0.43959 0.15599 -0.47107 0.1569 -0.51042 C 0.1569 -0.54931 0.10794 -0.58612 0.04596 -0.58843 C 0.01497 -0.58843 -0.01302 -0.5838 -0.03307 -0.57037 C -0.06211 -0.55232 -0.07904 -0.52315 -0.07904 -0.48936 C -0.07904 -0.47107 -0.07409 -0.45301 -0.06511 -0.43727 C -0.04401 -0.40324 -0.003 -0.37963 0.04388 -0.37686 C 0.09896 -0.37176 0.14388 -0.40024 0.14388 -0.43426 C 0.14492 -0.47107 0.1 -0.50278 0.04492 -0.50741 C 0.01693 -0.50741 -0.00807 -0.50278 -0.02708 -0.49167 C -0.05208 -0.47362 -0.0681 -0.44514 -0.0681 -0.41598 C -0.0681 -0.40024 -0.06302 -0.38449 -0.05508 -0.36875 C -0.03607 -0.34028 1.04167E-6 -0.31667 0.04297 -0.31436 C 0.09297 -0.31135 0.13294 -0.33797 0.13294 -0.36875 C 0.13398 -0.40024 0.09388 -0.4294 0.04388 -0.43195 C 0.01888 -0.43426 -0.00404 -0.4294 -0.02109 -0.41852 C -0.04401 -0.40324 -0.05703 -0.37963 -0.05703 -0.3507 C -0.05703 -0.33797 -0.053 -0.32223 -0.04609 -0.3088 C -0.02904 -0.28287 0.00391 -0.26158 0.04193 -0.25926 C 0.08698 -0.25926 0.12292 -0.27987 0.12292 -0.3088 C 0.12292 -0.33797 0.08789 -0.36389 0.04297 -0.36644 C 0.02096 -0.36644 1.04167E-6 -0.36088 -0.01511 -0.35301 C -0.03607 -0.34028 -0.04805 -0.31667 -0.04909 -0.29306 C -0.04909 -0.27987 -0.04401 -0.26713 -0.03802 -0.25672 C -0.02305 -0.2301 0.0069 -0.21204 0.04088 -0.21204 C 0.08099 -0.20973 0.11393 -0.22778 0.11393 -0.25371 C 0.11497 -0.27987 0.0819 -0.30348 0.04193 -0.30649 C 0.022 -0.30649 0.00299 -0.30348 -0.01003 -0.29306 C -0.02904 -0.28287 -0.04011 -0.26158 -0.04011 -0.24098 C -0.04011 -0.22778 -0.03711 -0.21737 -0.03112 -0.20718 C -0.01706 -0.1838 0.00898 -0.16783 0.03997 -0.16505 C 0.07695 -0.16505 0.10599 -0.18056 0.10599 -0.20417 C 0.1069 -0.22778 0.07799 -0.24885 0.04088 -0.25139 C 0.02292 -0.25139 0.0069 -0.24885 -0.00508 -0.24098 C -0.02201 -0.2301 -0.03203 -0.21204 -0.03203 -0.19144 C -0.03203 -0.18056 -0.02904 -0.17269 -0.02409 -0.16227 C -0.01211 -0.14167 0.01198 -0.12871 0.03997 -0.12593 C 0.07292 -0.12292 0.09896 -0.13866 0.09896 -0.16227 C 0.09896 -0.18056 0.07396 -0.20162 0.04088 -0.20162 C 0.02396 -0.20417 0.00898 -0.19931 -0.00208 -0.19375 C -0.01706 -0.1838 -0.02604 -0.16783 -0.02604 -0.14908 C -0.02604 -0.13866 -0.02305 -0.13079 -0.0181 -0.12292 C -0.00703 -0.10487 0.01497 -0.09144 0.03893 -0.08912 C 0.06888 -0.08658 0.09297 -0.10232 0.09297 -0.12061 C 0.09297 -0.14167 0.06888 -0.15695 0.03997 -0.15996 C 0.02591 -0.15996 0.01198 -0.15695 0.00195 -0.14908 C -0.01211 -0.14167 -0.02005 -0.12871 -0.02005 -0.11019 C -0.02005 -0.10232 -0.01706 -0.09445 -0.01302 -0.08658 C -0.003 -0.07084 0.01588 -0.05764 0.03893 -0.05764 C 0.06497 -0.0551 0.08698 -0.06852 0.08698 -0.08658 C 0.08698 -0.10232 0.06588 -0.11829 0.03893 -0.11829 C 0.02695 -0.12061 0.01393 -0.11829 0.00495 -0.11274 C -0.00703 -0.10232 -0.01406 -0.08912 -0.01406 -0.07639 C -0.01406 -0.06852 -0.01211 -0.06065 -0.00807 -0.0551 C 0.00091 -0.03936 0.01797 -0.02917 0.03893 -0.02616 C 0.06289 -0.02616 0.0819 -0.03936 0.0819 -0.05278 C 0.0819 -0.06852 0.06289 -0.08357 0.03893 -0.08357 C 0.02695 -0.08357 0.01588 -0.08125 0.00898 -0.07639 C -0.003 -0.07084 -0.00912 -0.05764 -0.00912 -0.04491 C -0.00912 -0.03936 -0.00703 -0.03149 -0.00404 -0.02616 C 0.00391 -0.01112 0.01992 -0.00324 0.03789 4.07407E-6 C 0.05989 4.07407E-6 0.07695 -0.01112 0.07695 -0.02362 C 0.07695 -0.03936 0.05989 -0.04977 0.03893 -0.05278 C 0.02799 -0.05278 0.01797 -0.04977 0.01094 -0.04491 C 0.00091 -0.03936 -0.00508 -0.02917 -0.00508 -0.01574 C -0.00508 -0.01112 -0.003 -0.00556 1.04167E-6 4.07407E-6 " pathEditMode="relative" rAng="0" ptsTypes="AAAAAAAAAAAAAAAAAAAAAAAAAAAAAAAAAAAAAAAAAAAAAAAAAAAAAAAAAAAAAAAAAAA">
+                                      <p:cBhvr>
+                                        <p:cTn id="8" dur="3000" fill="hold"/>
+                                        <p:tgtEl>
+                                          <p:spTgt spid="5"/>
+                                        </p:tgtEl>
+                                        <p:attrNameLst>
+                                          <p:attrName>ppt_x</p:attrName>
+                                          <p:attrName>ppt_y</p:attrName>
+                                        </p:attrNameLst>
+                                      </p:cBhvr>
+                                      <p:rCtr x="12435" y="27616"/>
+                                    </p:animMotion>
+                                  </p:childTnLst>
+                                </p:cTn>
+                              </p:par>
+                            </p:childTnLst>
+                          </p:cTn>
+                        </p:par>
+                        <p:par>
+                          <p:cTn id="9" fill="hold">
+                            <p:stCondLst>
+                              <p:cond delay="3000"/>
+                            </p:stCondLst>
+                            <p:childTnLst>
+                              <p:par>
+                                <p:cTn id="10" presetID="1" presetClass="mediacall" presetSubtype="0" fill="hold" nodeType="afterEffect">
+                                  <p:stCondLst>
+                                    <p:cond delay="0"/>
+                                  </p:stCondLst>
+                                  <p:childTnLst>
+                                    <p:cmd type="call" cmd="playFrom(0.0)">
+                                      <p:cBhvr>
+                                        <p:cTn id="11" dur="2220" fill="hold"/>
+                                        <p:tgtEl>
+                                          <p:spTgt spid="7"/>
+                                        </p:tgtEl>
+                                      </p:cBhvr>
+                                    </p:cmd>
+                                  </p:childTnLst>
+                                </p:cTn>
+                              </p:par>
+                            </p:childTnLst>
+                          </p:cTn>
+                        </p:par>
+                        <p:par>
+                          <p:cTn id="12" fill="hold">
+                            <p:stCondLst>
+                              <p:cond delay="5220"/>
+                            </p:stCondLst>
+                            <p:childTnLst>
+                              <p:par>
+                                <p:cTn id="13" presetID="1" presetClass="mediacall" presetSubtype="0" fill="hold" nodeType="afterEffect">
+                                  <p:stCondLst>
+                                    <p:cond delay="0"/>
+                                  </p:stCondLst>
+                                  <p:childTnLst>
+                                    <p:cmd type="call" cmd="playFrom(0.0)">
+                                      <p:cBhvr>
+                                        <p:cTn id="14" dur="2220" fill="hold"/>
+                                        <p:tgtEl>
+                                          <p:spTgt spid="8"/>
+                                        </p:tgtEl>
+                                      </p:cBhvr>
+                                    </p:cmd>
+                                  </p:childTnLst>
+                                </p:cTn>
+                              </p:par>
+                            </p:childTnLst>
+                          </p:cTn>
+                        </p:par>
+                        <p:par>
+                          <p:cTn id="15" fill="hold">
+                            <p:stCondLst>
+                              <p:cond delay="7440"/>
+                            </p:stCondLst>
+                            <p:childTnLst>
+                              <p:par>
+                                <p:cTn id="16" presetID="1" presetClass="mediacall" presetSubtype="0" fill="hold" nodeType="afterEffect">
+                                  <p:stCondLst>
+                                    <p:cond delay="0"/>
+                                  </p:stCondLst>
+                                  <p:childTnLst>
+                                    <p:cmd type="call" cmd="playFrom(0.0)">
+                                      <p:cBhvr>
+                                        <p:cTn id="17" dur="2220" fill="hold"/>
+                                        <p:tgtEl>
+                                          <p:spTgt spid="9"/>
+                                        </p:tgtEl>
+                                      </p:cBhvr>
+                                    </p:cmd>
+                                  </p:childTnLst>
+                                </p:cTn>
+                              </p:par>
+                            </p:childTnLst>
+                          </p:cTn>
+                        </p:par>
+                        <p:par>
+                          <p:cTn id="18" fill="hold">
+                            <p:stCondLst>
+                              <p:cond delay="9660"/>
+                            </p:stCondLst>
+                            <p:childTnLst>
+                              <p:par>
+                                <p:cTn id="19" presetID="1" presetClass="mediacall" presetSubtype="0" fill="hold" nodeType="afterEffect">
+                                  <p:stCondLst>
+                                    <p:cond delay="0"/>
+                                  </p:stCondLst>
+                                  <p:childTnLst>
+                                    <p:cmd type="call" cmd="playFrom(0.0)">
+                                      <p:cBhvr>
+                                        <p:cTn id="20" dur="2220" fill="hold"/>
+                                        <p:tgtEl>
+                                          <p:spTgt spid="10"/>
+                                        </p:tgtEl>
+                                      </p:cBhvr>
+                                    </p:cmd>
+                                  </p:childTnLst>
+                                </p:cTn>
+                              </p:par>
+                            </p:childTnLst>
+                          </p:cTn>
+                        </p:par>
+                        <p:par>
+                          <p:cTn id="21" fill="hold">
+                            <p:stCondLst>
+                              <p:cond delay="11880"/>
+                            </p:stCondLst>
+                            <p:childTnLst>
+                              <p:par>
+                                <p:cTn id="22" presetID="1" presetClass="mediacall" presetSubtype="0" fill="hold" nodeType="afterEffect">
+                                  <p:stCondLst>
+                                    <p:cond delay="0"/>
+                                  </p:stCondLst>
+                                  <p:childTnLst>
+                                    <p:cmd type="call" cmd="playFrom(0.0)">
+                                      <p:cBhvr>
+                                        <p:cTn id="23" dur="2220" fill="hold"/>
+                                        <p:tgtEl>
+                                          <p:spTgt spid="11"/>
+                                        </p:tgtEl>
+                                      </p:cBhvr>
+                                    </p:cmd>
+                                  </p:childTnLst>
+                                </p:cTn>
+                              </p:par>
+                            </p:childTnLst>
+                          </p:cTn>
+                        </p:par>
+                      </p:childTnLst>
+                    </p:cTn>
+                  </p:par>
+                </p:childTnLst>
+              </p:cTn>
+              <p:prevCondLst>
+                <p:cond evt="onPrev" delay="0">
+                  <p:tgtEl>
+                    <p:sldTgt/>
+                  </p:tgtEl>
+                </p:cond>
+              </p:prevCondLst>
+              <p:nextCondLst>
+                <p:cond evt="onNext" delay="0">
+                  <p:tgtEl>
+                    <p:sldTgt/>
+                  </p:tgtEl>
+                </p:cond>
+              </p:nextCondLst>
+            </p:seq>
+            <p:audio>
+              <p:cMediaNode vol="80000" showWhenStopped="0">
+                <p:cTn id="24" fill="hold" display="0">
+                  <p:stCondLst>
+                    <p:cond delay="indefinite"/>
+                  </p:stCondLst>
+                  <p:endCondLst>
+                    <p:cond evt="onStopAudio" delay="0">
+                      <p:tgtEl>
+                        <p:sldTgt/>
+                      </p:tgtEl>
+                    </p:cond>
+                  </p:endCondLst>
+                </p:cTn>
+                <p:tgtEl>
+                  <p:spTgt spid="6"/>
+                </p:tgtEl>
+              </p:cMediaNode>
+            </p:audio>
+            <p:audio>
+              <p:cMediaNode vol="80000" showWhenStopped="0">
+                <p:cTn id="25" fill="hold" display="0">
+                  <p:stCondLst>
+                    <p:cond delay="indefinite"/>
+                  </p:stCondLst>
+                  <p:endCondLst>
+                    <p:cond evt="onStopAudio" delay="0">
+                      <p:tgtEl>
+                        <p:sldTgt/>
+                      </p:tgtEl>
+                    </p:cond>
+                  </p:endCondLst>
+                </p:cTn>
+                <p:tgtEl>
+                  <p:spTgt spid="7"/>
+                </p:tgtEl>
+              </p:cMediaNode>
+            </p:audio>
+            <p:audio>
+              <p:cMediaNode vol="80000" showWhenStopped="0">
+                <p:cTn id="26" fill="hold" display="0">
+                  <p:stCondLst>
+                    <p:cond delay="indefinite"/>
+                  </p:stCondLst>
+                  <p:endCondLst>
+                    <p:cond evt="onStopAudio" delay="0">
+                      <p:tgtEl>
+                        <p:sldTgt/>
+                      </p:tgtEl>
+                    </p:cond>
+                  </p:endCondLst>
+                </p:cTn>
+                <p:tgtEl>
+                  <p:spTgt spid="8"/>
+                </p:tgtEl>
+              </p:cMediaNode>
+            </p:audio>
+            <p:audio>
+              <p:cMediaNode vol="80000" showWhenStopped="0">
+                <p:cTn id="27" fill="hold" display="0">
+                  <p:stCondLst>
+                    <p:cond delay="indefinite"/>
+                  </p:stCondLst>
+                  <p:endCondLst>
+                    <p:cond evt="onStopAudio" delay="0">
+                      <p:tgtEl>
+                        <p:sldTgt/>
+                      </p:tgtEl>
+                    </p:cond>
+                  </p:endCondLst>
+                </p:cTn>
+                <p:tgtEl>
+                  <p:spTgt spid="9"/>
+                </p:tgtEl>
+              </p:cMediaNode>
+            </p:audio>
+            <p:audio>
+              <p:cMediaNode vol="80000" showWhenStopped="0">
+                <p:cTn id="28" fill="hold" display="0">
+                  <p:stCondLst>
+                    <p:cond delay="indefinite"/>
+                  </p:stCondLst>
+                  <p:endCondLst>
+                    <p:cond evt="onStopAudio" delay="0">
+                      <p:tgtEl>
+                        <p:sldTgt/>
+                      </p:tgtEl>
+                    </p:cond>
+                  </p:endCondLst>
+                </p:cTn>
+                <p:tgtEl>
+                  <p:spTgt spid="10"/>
+                </p:tgtEl>
+              </p:cMediaNode>
+            </p:audio>
+            <p:audio>
+              <p:cMediaNode vol="80000" showWhenStopped="0">
+                <p:cTn id="29" fill="hold" display="0">
+                  <p:stCondLst>
+                    <p:cond delay="indefinite"/>
+                  </p:stCondLst>
+                  <p:endCondLst>
+                    <p:cond evt="onStopAudio" delay="0">
+                      <p:tgtEl>
+                        <p:sldTgt/>
+                      </p:tgtEl>
+                    </p:cond>
+                  </p:endCondLst>
+                </p:cTn>
+                <p:tgtEl>
+                  <p:spTgt spid="11"/>
+                </p:tgtEl>
+              </p:cMediaNode>
+            </p:audio>
+          </p:childTnLst>
+        </p:cTn>
+      </p:par>
+    </p:tnLst>
+  </p:timing>
+</p:sld>
+</file>
+
 <file path=ppt/slides/slide2.xml><?xml version="1.0" encoding="utf-8"?>
 <p:sld xmlns:a="http://schemas.openxmlformats.org/drawingml/2006/main" xmlns:r="http://schemas.openxmlformats.org/officeDocument/2006/relationships" xmlns:p="http://schemas.openxmlformats.org/presentationml/2006/main">
   <p:cSld>
@@ -5055,6 +5730,153 @@
       </p:grpSpPr>
       <p:sp>
         <p:nvSpPr>
+          <p:cNvPr id="14" name="Isosceles Triangle 13">
+            <a:hlinkHover r:id="rId2" action="ppaction://hlinksldjump"/>
+            <a:extLst>
+              <a:ext uri="{FF2B5EF4-FFF2-40B4-BE49-F238E27FC236}">
+                <a16:creationId xmlns:a16="http://schemas.microsoft.com/office/drawing/2014/main" id="{71958D34-59DF-425E-9CE9-033A015EF8BE}"/>
+              </a:ext>
+            </a:extLst>
+          </p:cNvPr>
+          <p:cNvSpPr/>
+          <p:nvPr/>
+        </p:nvSpPr>
+        <p:spPr>
+          <a:xfrm rot="18415932">
+            <a:off x="3644978" y="3189215"/>
+            <a:ext cx="558800" cy="894911"/>
+          </a:xfrm>
+          <a:prstGeom prst="triangle">
+            <a:avLst>
+              <a:gd name="adj" fmla="val 43939"/>
+            </a:avLst>
+          </a:prstGeom>
+        </p:spPr>
+        <p:style>
+          <a:lnRef idx="2">
+            <a:schemeClr val="accent1">
+              <a:shade val="50000"/>
+            </a:schemeClr>
+          </a:lnRef>
+          <a:fillRef idx="1">
+            <a:schemeClr val="accent1"/>
+          </a:fillRef>
+          <a:effectRef idx="0">
+            <a:schemeClr val="accent1"/>
+          </a:effectRef>
+          <a:fontRef idx="minor">
+            <a:schemeClr val="lt1"/>
+          </a:fontRef>
+        </p:style>
+        <p:txBody>
+          <a:bodyPr rtlCol="0" anchor="ctr"/>
+          <a:lstStyle/>
+          <a:p>
+            <a:pPr algn="ctr"/>
+            <a:endParaRPr lang="en-US"/>
+          </a:p>
+        </p:txBody>
+      </p:sp>
+      <p:sp>
+        <p:nvSpPr>
+          <p:cNvPr id="13" name="Isosceles Triangle 12">
+            <a:hlinkHover r:id="rId2" action="ppaction://hlinksldjump"/>
+            <a:extLst>
+              <a:ext uri="{FF2B5EF4-FFF2-40B4-BE49-F238E27FC236}">
+                <a16:creationId xmlns:a16="http://schemas.microsoft.com/office/drawing/2014/main" id="{325058E6-9869-4837-A0DE-54714A966C1B}"/>
+              </a:ext>
+            </a:extLst>
+          </p:cNvPr>
+          <p:cNvSpPr/>
+          <p:nvPr/>
+        </p:nvSpPr>
+        <p:spPr>
+          <a:xfrm rot="16200000">
+            <a:off x="3784244" y="1339011"/>
+            <a:ext cx="558800" cy="894911"/>
+          </a:xfrm>
+          <a:prstGeom prst="triangle">
+            <a:avLst>
+              <a:gd name="adj" fmla="val 43939"/>
+            </a:avLst>
+          </a:prstGeom>
+        </p:spPr>
+        <p:style>
+          <a:lnRef idx="2">
+            <a:schemeClr val="accent1">
+              <a:shade val="50000"/>
+            </a:schemeClr>
+          </a:lnRef>
+          <a:fillRef idx="1">
+            <a:schemeClr val="accent1"/>
+          </a:fillRef>
+          <a:effectRef idx="0">
+            <a:schemeClr val="accent1"/>
+          </a:effectRef>
+          <a:fontRef idx="minor">
+            <a:schemeClr val="lt1"/>
+          </a:fontRef>
+        </p:style>
+        <p:txBody>
+          <a:bodyPr rtlCol="0" anchor="ctr"/>
+          <a:lstStyle/>
+          <a:p>
+            <a:pPr algn="ctr"/>
+            <a:endParaRPr lang="en-US"/>
+          </a:p>
+        </p:txBody>
+      </p:sp>
+      <p:sp>
+        <p:nvSpPr>
+          <p:cNvPr id="12" name="Isosceles Triangle 11">
+            <a:hlinkHover r:id="rId2" action="ppaction://hlinksldjump"/>
+            <a:extLst>
+              <a:ext uri="{FF2B5EF4-FFF2-40B4-BE49-F238E27FC236}">
+                <a16:creationId xmlns:a16="http://schemas.microsoft.com/office/drawing/2014/main" id="{DBDFFED4-4C32-496F-AA01-D11437186B81}"/>
+              </a:ext>
+            </a:extLst>
+          </p:cNvPr>
+          <p:cNvSpPr/>
+          <p:nvPr/>
+        </p:nvSpPr>
+        <p:spPr>
+          <a:xfrm rot="5400000">
+            <a:off x="865034" y="1402750"/>
+            <a:ext cx="558800" cy="894911"/>
+          </a:xfrm>
+          <a:prstGeom prst="triangle">
+            <a:avLst>
+              <a:gd name="adj" fmla="val 51516"/>
+            </a:avLst>
+          </a:prstGeom>
+        </p:spPr>
+        <p:style>
+          <a:lnRef idx="2">
+            <a:schemeClr val="accent1">
+              <a:shade val="50000"/>
+            </a:schemeClr>
+          </a:lnRef>
+          <a:fillRef idx="1">
+            <a:schemeClr val="accent1"/>
+          </a:fillRef>
+          <a:effectRef idx="0">
+            <a:schemeClr val="accent1"/>
+          </a:effectRef>
+          <a:fontRef idx="minor">
+            <a:schemeClr val="lt1"/>
+          </a:fontRef>
+        </p:style>
+        <p:txBody>
+          <a:bodyPr rtlCol="0" anchor="ctr"/>
+          <a:lstStyle/>
+          <a:p>
+            <a:pPr algn="ctr"/>
+            <a:endParaRPr lang="en-US"/>
+          </a:p>
+        </p:txBody>
+      </p:sp>
+      <p:sp>
+        <p:nvSpPr>
           <p:cNvPr id="6" name="Rectangle 5">
             <a:hlinkHover r:id="rId2" action="ppaction://hlinksldjump"/>
             <a:extLst>
@@ -5493,6 +6315,81 @@
   <p:clrMapOvr>
     <a:masterClrMapping/>
   </p:clrMapOvr>
+  <p:timing>
+    <p:tnLst>
+      <p:par>
+        <p:cTn id="1" dur="indefinite" restart="never" nodeType="tmRoot">
+          <p:childTnLst>
+            <p:seq concurrent="1" nextAc="seek">
+              <p:cTn id="2" dur="indefinite" nodeType="mainSeq">
+                <p:childTnLst>
+                  <p:par>
+                    <p:cTn id="3" fill="hold">
+                      <p:stCondLst>
+                        <p:cond delay="indefinite"/>
+                        <p:cond evt="onBegin" delay="0">
+                          <p:tn val="2"/>
+                        </p:cond>
+                      </p:stCondLst>
+                      <p:childTnLst>
+                        <p:par>
+                          <p:cTn id="4" fill="hold">
+                            <p:stCondLst>
+                              <p:cond delay="0"/>
+                            </p:stCondLst>
+                            <p:childTnLst>
+                              <p:par>
+                                <p:cTn id="5" presetID="26" presetClass="path" presetSubtype="0" accel="50000" decel="50000" fill="hold" grpId="0" nodeType="afterEffect">
+                                  <p:stCondLst>
+                                    <p:cond delay="2500"/>
+                                  </p:stCondLst>
+                                  <p:childTnLst>
+                                    <p:animMotion origin="layout" path="M 0 0 C 0 0.033 0.027 0.06 0.06 0.06 C 0.099 0.06 0.113 0.03 0.119 0.012 L 0.125 -0.012 C 0.131 -0.03 0.146 -0.06 0.19 -0.06 C 0.218 -0.06 0.25 -0.033 0.25 0 C 0.25 0.033 0.218 0.06 0.19 0.06 C 0.146 0.06 0.131 0.03 0.125 0.012 L 0.119 -0.012 C 0.113 -0.03 0.099 -0.06 0.06 -0.06 C 0.027 -0.06 0 -0.033 0 0 Z" pathEditMode="relative" ptsTypes="">
+                                      <p:cBhvr>
+                                        <p:cTn id="6" dur="2000" fill="hold"/>
+                                        <p:tgtEl>
+                                          <p:spTgt spid="6"/>
+                                        </p:tgtEl>
+                                        <p:attrNameLst>
+                                          <p:attrName>ppt_x</p:attrName>
+                                          <p:attrName>ppt_y</p:attrName>
+                                        </p:attrNameLst>
+                                      </p:cBhvr>
+                                    </p:animMotion>
+                                  </p:childTnLst>
+                                </p:cTn>
+                              </p:par>
+                            </p:childTnLst>
+                          </p:cTn>
+                        </p:par>
+                      </p:childTnLst>
+                    </p:cTn>
+                  </p:par>
+                </p:childTnLst>
+              </p:cTn>
+              <p:prevCondLst>
+                <p:cond evt="onPrev" delay="0">
+                  <p:tgtEl>
+                    <p:sldTgt/>
+                  </p:tgtEl>
+                </p:cond>
+              </p:prevCondLst>
+              <p:nextCondLst>
+                <p:cond evt="onNext" delay="0">
+                  <p:tgtEl>
+                    <p:sldTgt/>
+                  </p:tgtEl>
+                </p:cond>
+              </p:nextCondLst>
+            </p:seq>
+          </p:childTnLst>
+        </p:cTn>
+      </p:par>
+    </p:tnLst>
+    <p:bldLst>
+      <p:bldP spid="6" grpId="0" animBg="1"/>
+    </p:bldLst>
+  </p:timing>
 </p:sld>
 </file>
 
@@ -5513,8 +6410,8 @@
           <a:chExt cx="0" cy="0"/>
         </a:xfrm>
       </p:grpSpPr>
-      <mc:AlternateContent xmlns:mc="http://schemas.openxmlformats.org/markup-compatibility/2006">
-        <mc:Choice xmlns:am3d="http://schemas.microsoft.com/office/drawing/2017/model3d" Requires="am3d">
+      <mc:AlternateContent xmlns:mc="http://schemas.openxmlformats.org/markup-compatibility/2006" xmlns:am3d="http://schemas.microsoft.com/office/drawing/2017/model3d">
+        <mc:Choice Requires="am3d">
           <p:graphicFrame>
             <p:nvGraphicFramePr>
               <p:cNvPr id="2" name="3D Model 1">
@@ -5604,7 +6501,7 @@
             </a:graphic>
           </p:graphicFrame>
         </mc:Choice>
-        <mc:Fallback>
+        <mc:Fallback xmlns="">
           <p:pic>
             <p:nvPicPr>
               <p:cNvPr id="2" name="3D Model 1">
@@ -5620,7 +6517,7 @@
               <p:nvPr/>
             </p:nvPicPr>
             <p:blipFill>
-              <a:blip r:embed="rId3"/>
+              <a:blip r:embed="rId4"/>
               <a:stretch>
                 <a:fillRect/>
               </a:stretch>
@@ -5640,7 +6537,7 @@
       <p:sp>
         <p:nvSpPr>
           <p:cNvPr id="3" name="Action Button: Go Back or Previous 2">
-            <a:hlinkClick r:id="rId4" action="ppaction://hlinksldjump" highlightClick="1"/>
+            <a:hlinkClick r:id="rId5" action="ppaction://hlinksldjump" highlightClick="1"/>
             <a:extLst>
               <a:ext uri="{FF2B5EF4-FFF2-40B4-BE49-F238E27FC236}">
                 <a16:creationId xmlns:a16="http://schemas.microsoft.com/office/drawing/2014/main" id="{47B17C5A-C397-45D7-AD3C-34DC79403113}"/>
@@ -8147,7 +9044,7 @@
       <p:sp>
         <p:nvSpPr>
           <p:cNvPr id="2" name="Action Button: Go Back or Previous 1">
-            <a:hlinkClick r:id="" action="ppaction://hlinkshowjump?jump=previousslide" highlightClick="1"/>
+            <a:hlinkClick r:id="rId4" action="ppaction://hlinksldjump" highlightClick="1"/>
             <a:extLst>
               <a:ext uri="{FF2B5EF4-FFF2-40B4-BE49-F238E27FC236}">
                 <a16:creationId xmlns:a16="http://schemas.microsoft.com/office/drawing/2014/main" id="{51BB254A-F097-4C71-B70E-EC1FCF4EAE06}"/>
@@ -8280,7 +9177,7 @@
           </p:nvPr>
         </p:nvPicPr>
         <p:blipFill>
-          <a:blip r:embed="rId4"/>
+          <a:blip r:embed="rId5"/>
           <a:stretch>
             <a:fillRect/>
           </a:stretch>
@@ -8475,6 +9372,1277 @@
     <p:bldLst>
       <p:bldP spid="3" grpId="0"/>
     </p:bldLst>
+  </p:timing>
+</p:sld>
+</file>
+
+<file path=ppt/slides/slide8.xml><?xml version="1.0" encoding="utf-8"?>
+<p:sld xmlns:a="http://schemas.openxmlformats.org/drawingml/2006/main" xmlns:r="http://schemas.openxmlformats.org/officeDocument/2006/relationships" xmlns:p="http://schemas.openxmlformats.org/presentationml/2006/main">
+  <p:cSld>
+    <p:spTree>
+      <p:nvGrpSpPr>
+        <p:cNvPr id="1" name=""/>
+        <p:cNvGrpSpPr/>
+        <p:nvPr/>
+      </p:nvGrpSpPr>
+      <p:grpSpPr>
+        <a:xfrm>
+          <a:off x="0" y="0"/>
+          <a:ext cx="0" cy="0"/>
+          <a:chOff x="0" y="0"/>
+          <a:chExt cx="0" cy="0"/>
+        </a:xfrm>
+      </p:grpSpPr>
+      <p:sp>
+        <p:nvSpPr>
+          <p:cNvPr id="5" name="Cube 4">
+            <a:hlinkClick r:id="rId2" action="ppaction://hlinksldjump"/>
+            <a:hlinkHover r:id="rId2" action="ppaction://hlinksldjump"/>
+            <a:extLst>
+              <a:ext uri="{FF2B5EF4-FFF2-40B4-BE49-F238E27FC236}">
+                <a16:creationId xmlns:a16="http://schemas.microsoft.com/office/drawing/2014/main" id="{EB4997E5-0985-494C-8554-026570619B66}"/>
+              </a:ext>
+            </a:extLst>
+          </p:cNvPr>
+          <p:cNvSpPr/>
+          <p:nvPr/>
+        </p:nvSpPr>
+        <p:spPr>
+          <a:xfrm>
+            <a:off x="11497733" y="1515533"/>
+            <a:ext cx="524934" cy="457200"/>
+          </a:xfrm>
+          <a:prstGeom prst="cube">
+            <a:avLst/>
+          </a:prstGeom>
+        </p:spPr>
+        <p:style>
+          <a:lnRef idx="2">
+            <a:schemeClr val="accent6">
+              <a:shade val="50000"/>
+            </a:schemeClr>
+          </a:lnRef>
+          <a:fillRef idx="1">
+            <a:schemeClr val="accent6"/>
+          </a:fillRef>
+          <a:effectRef idx="0">
+            <a:schemeClr val="accent6"/>
+          </a:effectRef>
+          <a:fontRef idx="minor">
+            <a:schemeClr val="lt1"/>
+          </a:fontRef>
+        </p:style>
+        <p:txBody>
+          <a:bodyPr rtlCol="0" anchor="ctr"/>
+          <a:lstStyle/>
+          <a:p>
+            <a:pPr algn="ctr"/>
+            <a:endParaRPr lang="en-US"/>
+          </a:p>
+        </p:txBody>
+      </p:sp>
+      <p:pic>
+        <p:nvPicPr>
+          <p:cNvPr id="3" name="Picture 2">
+            <a:hlinkHover r:id="rId3" action="ppaction://hlinksldjump"/>
+            <a:extLst>
+              <a:ext uri="{FF2B5EF4-FFF2-40B4-BE49-F238E27FC236}">
+                <a16:creationId xmlns:a16="http://schemas.microsoft.com/office/drawing/2014/main" id="{FE759CA4-C1B9-40D4-8325-1A84272C073D}"/>
+              </a:ext>
+            </a:extLst>
+          </p:cNvPr>
+          <p:cNvPicPr>
+            <a:picLocks noChangeAspect="1"/>
+          </p:cNvPicPr>
+          <p:nvPr/>
+        </p:nvPicPr>
+        <p:blipFill rotWithShape="1">
+          <a:blip r:embed="rId4">
+            <a:extLst>
+              <a:ext uri="{28A0092B-C50C-407E-A947-70E740481C1C}">
+                <a14:useLocalDpi xmlns:a14="http://schemas.microsoft.com/office/drawing/2010/main" val="0"/>
+              </a:ext>
+            </a:extLst>
+          </a:blip>
+          <a:srcRect l="14903" t="11961" r="17843" b="9020"/>
+          <a:stretch/>
+        </p:blipFill>
+        <p:spPr>
+          <a:xfrm>
+            <a:off x="7095066" y="-254000"/>
+            <a:ext cx="2904067" cy="3412067"/>
+          </a:xfrm>
+          <a:prstGeom prst="rect">
+            <a:avLst/>
+          </a:prstGeom>
+        </p:spPr>
+      </p:pic>
+    </p:spTree>
+    <p:extLst>
+      <p:ext uri="{BB962C8B-B14F-4D97-AF65-F5344CB8AC3E}">
+        <p14:creationId xmlns:p14="http://schemas.microsoft.com/office/powerpoint/2010/main" val="566724204"/>
+      </p:ext>
+    </p:extLst>
+  </p:cSld>
+  <p:clrMapOvr>
+    <a:masterClrMapping/>
+  </p:clrMapOvr>
+  <mc:AlternateContent xmlns:mc="http://schemas.openxmlformats.org/markup-compatibility/2006">
+    <mc:Choice xmlns:p15="http://schemas.microsoft.com/office/powerpoint/2012/main" Requires="p15">
+      <p:transition xmlns:p14="http://schemas.microsoft.com/office/powerpoint/2010/main" spd="slow" p14:dur="2000">
+        <p15:prstTrans prst="crush"/>
+      </p:transition>
+    </mc:Choice>
+    <mc:Fallback>
+      <p:transition spd="slow">
+        <p:fade/>
+      </p:transition>
+    </mc:Fallback>
+  </mc:AlternateContent>
+  <p:timing>
+    <p:tnLst>
+      <p:par>
+        <p:cTn id="1" dur="indefinite" restart="never" nodeType="tmRoot">
+          <p:childTnLst>
+            <p:seq concurrent="1" nextAc="seek">
+              <p:cTn id="2" dur="indefinite" nodeType="mainSeq">
+                <p:childTnLst>
+                  <p:par>
+                    <p:cTn id="3" fill="hold">
+                      <p:stCondLst>
+                        <p:cond delay="indefinite"/>
+                        <p:cond evt="onBegin" delay="0">
+                          <p:tn val="2"/>
+                        </p:cond>
+                      </p:stCondLst>
+                      <p:childTnLst>
+                        <p:par>
+                          <p:cTn id="4" fill="hold">
+                            <p:stCondLst>
+                              <p:cond delay="0"/>
+                            </p:stCondLst>
+                            <p:childTnLst>
+                              <p:par>
+                                <p:cTn id="5" presetID="0" presetClass="path" presetSubtype="0" accel="50000" decel="50000" fill="hold" nodeType="withEffect">
+                                  <p:stCondLst>
+                                    <p:cond delay="0"/>
+                                  </p:stCondLst>
+                                  <p:childTnLst>
+                                    <p:animMotion origin="layout" path="M 0.00716 0.16204 L 0.00716 0.16204 C 0.0043 0.15139 0.00078 0.14144 -0.0013 0.13056 C -0.00156 0.12917 -0.00182 0.12801 -0.00208 0.12662 C -0.00234 0.12454 -0.00247 0.12246 -0.00273 0.12037 C -0.00325 0.11667 -0.00364 0.11297 -0.00416 0.10903 C -0.00547 0.07801 -0.0056 0.08195 -0.00416 0.03496 C -0.00403 0.03149 -0.00338 0.02801 -0.00273 0.02477 C -0.00221 0.02223 -0.0013 0.01991 -0.00065 0.01737 C 0.00169 0.00811 -0.0026 0.02037 0.00222 0.00602 C 0.003 0.00324 0.00417 0.00093 0.00508 -0.00162 C 0.00586 -0.00393 0.00625 -0.00671 0.00716 -0.00902 C 0.00938 -0.01551 0.01068 -0.01597 0.01354 -0.02176 C 0.01432 -0.02338 0.01472 -0.02523 0.01563 -0.02685 C 0.01719 -0.02916 0.01901 -0.03078 0.02057 -0.0331 C 0.02175 -0.03472 0.02292 -0.03657 0.02409 -0.03796 C 0.02591 -0.04027 0.028 -0.04213 0.02982 -0.04444 C 0.03229 -0.04745 0.03438 -0.05138 0.03685 -0.05439 C 0.04011 -0.05856 0.0457 -0.0625 0.04896 -0.06574 C 0.05039 -0.06713 0.05169 -0.06921 0.05313 -0.07083 C 0.0569 -0.0743 0.06068 -0.07754 0.06445 -0.08078 C 0.06615 -0.08217 0.06784 -0.0831 0.0694 -0.08472 C 0.07201 -0.08703 0.07448 -0.09004 0.07722 -0.09213 C 0.07943 -0.09398 0.0819 -0.09467 0.08425 -0.09583 C 0.08972 -0.09861 0.09518 -0.10046 0.10052 -0.10347 L 0.11185 -0.10972 C 0.11445 -0.11111 0.11706 -0.11203 0.11966 -0.11365 C 0.12188 -0.11481 0.12383 -0.11736 0.12604 -0.11851 C 0.12826 -0.1199 0.13073 -0.1199 0.13307 -0.12106 C 0.13438 -0.12176 0.13542 -0.12291 0.13659 -0.12361 C 0.14597 -0.12801 0.14128 -0.12407 0.15013 -0.1287 C 0.1513 -0.12916 0.15235 -0.13055 0.15365 -0.13125 C 0.15612 -0.1324 0.15886 -0.13287 0.16146 -0.13356 C 0.1655 -0.13472 0.17005 -0.13541 0.17409 -0.13611 C 0.17604 -0.13657 0.17787 -0.13703 0.17982 -0.1375 L 0.22578 -0.13611 C 0.22748 -0.13611 0.22917 -0.13541 0.23073 -0.13495 C 0.23425 -0.13379 0.23789 -0.13263 0.24141 -0.13125 C 0.25716 -0.1243 0.25235 -0.12569 0.26823 -0.11365 C 0.27057 -0.1118 0.27305 -0.11064 0.27526 -0.10856 C 0.27709 -0.10671 0.27852 -0.10416 0.28034 -0.10231 C 0.28542 -0.09629 0.29154 -0.09236 0.29584 -0.08472 C 0.29675 -0.08287 0.29766 -0.08101 0.2987 -0.07963 C 0.30261 -0.07384 0.3043 -0.07314 0.30716 -0.06689 C 0.30873 -0.06388 0.3099 -0.06018 0.31146 -0.05694 C 0.31459 -0.05023 0.31419 -0.0537 0.31706 -0.0456 C 0.32031 -0.03657 0.31823 -0.04004 0.32057 -0.03055 C 0.32097 -0.02916 0.32162 -0.02801 0.32201 -0.02685 C 0.3237 -0.02083 0.32539 -0.01504 0.32695 -0.00902 L 0.32695 -0.00902 C 0.33229 0.02246 0.32474 -0.0206 0.33412 0.02362 C 0.33477 0.02686 0.33529 0.03033 0.3362 0.03357 C 0.33672 0.03588 0.33776 0.03774 0.33828 0.03982 C 0.33932 0.04399 0.34011 0.04838 0.34115 0.05255 C 0.34154 0.05417 0.34206 0.05579 0.34258 0.05764 C 0.34427 0.06412 0.34753 0.07778 0.34753 0.07778 C 0.34779 0.0801 0.34779 0.08287 0.34818 0.08519 C 0.34857 0.08704 0.34935 0.08843 0.34961 0.09028 C 0.35 0.09306 0.35013 0.09607 0.35039 0.09908 C 0.35052 0.10162 0.35078 0.10417 0.35104 0.10649 C 0.35052 0.11505 0.35013 0.12338 0.34961 0.13172 C 0.34948 0.1338 0.34948 0.13612 0.34896 0.13797 C 0.34805 0.14121 0.34649 0.14375 0.34531 0.14676 C 0.34388 0.15093 0.34219 0.15718 0.34037 0.16065 C 0.33985 0.16181 0.33893 0.16227 0.33828 0.1632 C 0.33711 0.16482 0.33594 0.16644 0.33477 0.16829 C 0.33373 0.16991 0.33307 0.17176 0.3319 0.17338 C 0.33034 0.17524 0.32865 0.17686 0.32695 0.17824 C 0.3211 0.18334 0.31003 0.19422 0.30156 0.19838 C 0.29961 0.19931 0.29766 0.2 0.29584 0.20093 C 0.29297 0.20255 0.29024 0.20463 0.28737 0.20602 C 0.28438 0.20718 0.28125 0.20764 0.27813 0.20857 C 0.27578 0.20903 0.26836 0.21065 0.26615 0.21112 C 0.26328 0.21158 0.26042 0.21204 0.25768 0.21227 C 0.25013 0.21297 0.24258 0.2132 0.23503 0.21343 C 0.17774 0.21181 0.12031 0.21274 0.06302 0.20857 C 0.05612 0.20787 0.04636 0.19977 0.03972 0.19329 C 0.03854 0.19213 0.03724 0.19121 0.0362 0.18959 C 0.03464 0.18727 0.0332 0.18473 0.0319 0.18218 C 0.03099 0.1801 0.03034 0.17801 0.02982 0.1757 C 0.02813 0.16922 0.02709 0.16274 0.0263 0.15556 C 0.02591 0.15324 0.02578 0.1507 0.02552 0.14815 C 0.02409 0.11806 0.02383 0.1176 0.02552 0.07269 C 0.02591 0.06343 0.02839 0.03334 0.0319 0.02223 C 0.03802 0.00324 0.03867 -0.00138 0.04531 -0.01551 C 0.04779 -0.0206 0.05287 -0.02777 0.05521 -0.03171 C 0.05716 -0.03495 0.05886 -0.03888 0.06094 -0.04189 C 0.06263 -0.04444 0.06472 -0.04583 0.06654 -0.04814 C 0.07253 -0.05509 0.078 -0.06342 0.08425 -0.06944 C 0.08737 -0.07245 0.09037 -0.07569 0.09349 -0.07824 C 0.11472 -0.09652 0.09896 -0.08263 0.11185 -0.09213 C 0.12018 -0.09838 0.128 -0.10671 0.13659 -0.11111 C 0.16927 -0.12708 0.14662 -0.11713 0.16498 -0.12361 C 0.17292 -0.12638 0.18086 -0.13101 0.18906 -0.1324 C 0.20026 -0.13426 0.19414 -0.13333 0.20742 -0.13495 C 0.2211 -0.13449 0.24388 -0.13773 0.26042 -0.13125 C 0.26498 -0.12939 0.2694 -0.12708 0.27396 -0.12476 C 0.28047 -0.12152 0.28425 -0.11967 0.29154 -0.11481 C 0.30391 -0.10648 0.29492 -0.10972 0.30365 -0.10717 C 0.30781 -0.10347 0.31224 -0.10023 0.31641 -0.09583 C 0.32175 -0.09027 0.32383 -0.08842 0.32839 -0.08217 C 0.33099 -0.07847 0.33386 -0.075 0.3362 -0.07083 C 0.33841 -0.06666 0.34141 -0.06203 0.34323 -0.05694 C 0.34414 -0.05463 0.34479 -0.05185 0.34531 -0.0493 C 0.34883 -0.03564 0.34935 -0.03472 0.35104 -0.02291 C 0.35222 -0.01458 0.35456 0.00209 0.35456 0.00209 C 0.35508 0.01019 0.35521 0.01829 0.35599 0.02616 C 0.35664 0.03311 0.35768 0.04028 0.35807 0.04746 C 0.35834 0.05116 0.35847 0.0551 0.35886 0.0588 C 0.36276 0.10556 0.35977 0.06459 0.36159 0.09144 C 0.3612 0.10232 0.36081 0.11343 0.36029 0.12431 C 0.36016 0.12593 0.3599 0.12755 0.35951 0.12917 C 0.3582 0.13519 0.35612 0.14074 0.35534 0.14676 C 0.35508 0.14862 0.35495 0.15024 0.35456 0.15186 C 0.35287 0.15787 0.35052 0.16181 0.34818 0.1669 C 0.34766 0.16806 0.3474 0.16968 0.34675 0.17084 C 0.34284 0.17871 0.34037 0.18195 0.33542 0.18843 C 0.33412 0.19005 0.33268 0.1919 0.33125 0.19329 C 0.32969 0.19491 0.32787 0.19584 0.3263 0.19723 C 0.3125 0.2088 0.32591 0.19908 0.31211 0.20718 C 0.31016 0.20834 0.30847 0.20996 0.30651 0.21112 C 0.30417 0.21204 0.30169 0.21274 0.29935 0.21343 C 0.29479 0.21505 0.29401 0.21505 0.2888 0.21598 C 0.28073 0.21551 0.27266 0.21621 0.26472 0.21482 C 0.2625 0.21436 0.26055 0.21204 0.25834 0.21112 C 0.25339 0.20857 0.24831 0.20741 0.24349 0.20463 C 0.23438 0.19954 0.22695 0.1919 0.21875 0.18334 C 0.21094 0.17524 0.20235 0.16551 0.1961 0.1544 C 0.19375 0.15024 0.19141 0.14584 0.18906 0.1419 C 0.18698 0.13843 0.18477 0.13496 0.18268 0.13172 C 0.18151 0.1301 0.18021 0.12871 0.17904 0.12662 C 0.16953 0.10973 0.17852 0.12408 0.16992 0.10533 C 0.16823 0.10162 0.16576 0.09908 0.16419 0.09537 C 0.16198 0.08982 0.16055 0.08357 0.1586 0.07778 C 0.15586 0.06945 0.153 0.06274 0.15078 0.05371 C 0.14987 0.04977 0.14935 0.04537 0.1487 0.04121 C 0.1461 0.02686 0.14831 0.04098 0.14584 0.02362 C 0.1461 0.0132 0.1457 0.00255 0.14649 -0.00787 C 0.14701 -0.01365 0.14935 -0.01713 0.15078 -0.02176 C 0.1513 -0.02338 0.15143 -0.02546 0.15222 -0.02685 C 0.15365 -0.02963 0.1556 -0.03171 0.15716 -0.03426 C 0.15886 -0.03703 0.16029 -0.04051 0.16211 -0.04305 C 0.16341 -0.04513 0.16485 -0.04652 0.16641 -0.04814 C 0.17136 -0.05324 0.17813 -0.06064 0.18399 -0.06458 C 0.1849 -0.06504 0.18594 -0.06504 0.18685 -0.06574 C 0.18906 -0.06713 0.19102 -0.06921 0.19323 -0.07083 C 0.19414 -0.07129 0.19518 -0.07152 0.1961 -0.07199 C 0.19753 -0.07268 0.19896 -0.07361 0.20026 -0.07453 C 0.20104 -0.07546 0.20169 -0.07615 0.20248 -0.07708 C 0.20365 -0.07847 0.20495 -0.07916 0.20599 -0.08078 C 0.21445 -0.09398 0.203 -0.07986 0.21029 -0.08842 C 0.21094 -0.09004 0.21159 -0.09189 0.21237 -0.09351 C 0.21302 -0.09467 0.21393 -0.09583 0.21445 -0.09722 C 0.21563 -0.1 0.21602 -0.10301 0.21654 -0.10601 C 0.21354 -0.11481 0.21094 -0.1243 0.20742 -0.1324 C 0.20573 -0.13611 0.20326 -0.13865 0.20104 -0.1412 C 0.19688 -0.14606 0.1931 -0.15254 0.18828 -0.15509 L 0.18334 -0.15763 C 0.18242 -0.1581 0.18138 -0.15833 0.18047 -0.15879 C 0.175 -0.16203 0.16979 -0.1662 0.16419 -0.16898 C 0.16146 -0.17037 0.1586 -0.1706 0.15573 -0.17129 L 0.09492 -0.17013 C 0.08867 -0.1699 0.08972 -0.16898 0.08425 -0.16504 C 0.08294 -0.16412 0.08138 -0.16365 0.08008 -0.1625 C 0.07852 -0.16157 0.07722 -0.16018 0.07578 -0.15879 C 0.07188 -0.15509 0.06771 -0.14953 0.06445 -0.1449 C 0.06328 -0.14328 0.06198 -0.14189 0.06094 -0.14004 C 0.0599 -0.13796 0.05912 -0.13564 0.05807 -0.13356 C 0.05482 -0.12754 0.05026 -0.12338 0.04818 -0.11597 C 0.04766 -0.11435 0.0474 -0.1125 0.04675 -0.11111 C 0.04479 -0.10625 0.04271 -0.10138 0.04037 -0.09722 C 0.03919 -0.09513 0.03789 -0.09328 0.03685 -0.09097 C 0.03568 -0.08819 0.03503 -0.08495 0.03399 -0.08217 C 0.0332 -0.07963 0.03203 -0.07708 0.03125 -0.07453 C 0.02513 -0.05532 0.03021 -0.06782 0.02552 -0.05694 C 0.02526 -0.05439 0.02526 -0.05185 0.02487 -0.0493 C 0.0237 -0.04328 0.02123 -0.03819 0.01914 -0.0331 C 0.01797 -0.02569 0.01771 -0.02361 0.01641 -0.01666 C 0.01563 -0.01319 0.01485 -0.00995 0.01419 -0.00671 C 0.01107 0.01181 0.01797 -0.01805 0.01068 0.01088 C 0.01016 0.01528 0.00977 0.01945 0.00925 0.02362 C 0.00638 0.04537 0.00938 0.01852 0.00638 0.04237 C 0.0056 0.04908 0.00547 0.05417 0.00508 0.06135 C 0.00456 0.06783 0.00417 0.0713 0.00365 0.07778 C 0.00039 0.15649 0.00365 0.06991 0.00222 0.27385 C 0.00222 0.27801 0.00169 0.28218 0.00143 0.28658 C 0.00091 0.30278 0.00039 0.31922 0.00013 0.33565 C -0.00013 0.34769 -0.00026 0.35996 -0.00065 0.37199 C -0.00078 0.37593 -0.00182 0.39167 -0.00208 0.39584 C -0.00325 0.4176 -0.00299 0.41667 -0.00416 0.43241 C -0.00547 0.44885 -0.00443 0.4338 -0.00625 0.45625 C -0.00664 0.45973 -0.00664 0.46297 -0.00703 0.46644 C -0.00729 0.46852 -0.00807 0.47061 -0.00846 0.47269 C -0.00898 0.47593 -0.00911 0.47963 -0.00989 0.48264 C -0.0112 0.48889 -0.01237 0.49537 -0.01484 0.50024 C -0.01875 0.50857 -0.01927 0.50903 -0.02252 0.51806 C -0.02526 0.525 -0.02552 0.52732 -0.02825 0.53311 C -0.02982 0.53658 -0.03164 0.53959 -0.0332 0.54306 C -0.03489 0.54676 -0.03646 0.5507 -0.03815 0.5544 C -0.03906 0.55625 -0.0401 0.55764 -0.04101 0.55949 C -0.04245 0.56274 -0.04349 0.56667 -0.04518 0.56945 C -0.04713 0.57292 -0.04961 0.575 -0.05156 0.57824 C -0.05312 0.58102 -0.0543 0.58449 -0.05586 0.58704 C -0.05963 0.59375 -0.06406 0.59931 -0.06784 0.60602 C -0.07344 0.61598 -0.07396 0.61737 -0.08411 0.62732 C -0.08893 0.63218 -0.10104 0.64468 -0.10742 0.64885 C -0.11393 0.65278 -0.12122 0.65579 -0.12799 0.65764 C -0.15403 0.66459 -0.12005 0.65463 -0.13867 0.66019 C -0.1487 0.6588 -0.15898 0.65903 -0.16901 0.65625 C -0.17409 0.65487 -0.18151 0.64213 -0.18463 0.6375 C -0.19857 0.61667 -0.18828 0.63334 -0.19805 0.61482 C -0.19987 0.61135 -0.20195 0.60834 -0.20377 0.60463 C -0.21211 0.5875 -0.22422 0.55255 -0.22916 0.53936 C -0.24271 0.50371 -0.22982 0.5419 -0.24896 0.47639 C -0.25013 0.47269 -0.25156 0.46899 -0.2526 0.46505 C -0.25508 0.45463 -0.25755 0.44399 -0.26028 0.43357 C -0.26419 0.41968 -0.26849 0.40602 -0.27239 0.39213 C -0.27357 0.38774 -0.27513 0.38311 -0.27591 0.37824 C -0.27682 0.37246 -0.27773 0.36644 -0.27877 0.36065 C -0.27956 0.35602 -0.28086 0.35162 -0.28151 0.34676 C -0.28372 0.33311 -0.28541 0.31922 -0.28724 0.30533 C -0.28828 0.29676 -0.2888 0.28774 -0.28932 0.27894 C -0.28984 0.27061 -0.29023 0.26227 -0.29075 0.25371 C -0.2914 0.19676 -0.2918 0.13982 -0.29284 0.08264 C -0.29297 0.07755 -0.29349 0.07246 -0.29427 0.0676 C -0.29518 0.06274 -0.29674 0.05857 -0.29778 0.05371 C -0.30403 0.02639 -0.29661 0.05625 -0.3013 0.03357 C -0.30247 0.02848 -0.30377 0.02362 -0.30495 0.01852 C -0.30573 0.01482 -0.30599 0.01065 -0.30703 0.00718 C -0.3095 -0.00138 -0.31289 -0.00949 -0.31549 -0.01805 C -0.3237 -0.04398 -0.3194 -0.03402 -0.32682 -0.0493 C -0.32969 -0.06226 -0.32734 -0.05416 -0.33672 -0.07083 C -0.33763 -0.07245 -0.33841 -0.07453 -0.33958 -0.07569 C -0.3444 -0.08148 -0.33854 -0.0743 -0.34518 -0.08333 C -0.34687 -0.08541 -0.34857 -0.0875 -0.35013 -0.08958 C -0.35143 -0.0912 -0.35247 -0.09328 -0.35377 -0.09467 C -0.35495 -0.09606 -0.35716 -0.09768 -0.35872 -0.09838 C -0.35989 -0.09907 -0.36107 -0.0993 -0.36224 -0.09976 C -0.36693 -0.0993 -0.37174 -0.1 -0.37643 -0.09838 C -0.37786 -0.09791 -0.37864 -0.0949 -0.37995 -0.09351 C -0.38099 -0.09213 -0.38229 -0.09097 -0.38346 -0.08958 C -0.38528 -0.07986 -0.38281 -0.09074 -0.39127 -0.07569 C -0.3931 -0.07245 -0.39453 -0.06828 -0.39622 -0.06458 C -0.39687 -0.06273 -0.39778 -0.06134 -0.39831 -0.05949 C -0.40234 -0.04467 -0.40768 -0.03101 -0.41028 -0.01551 C -0.41107 -0.01134 -0.41159 -0.00694 -0.4125 -0.00277 C -0.41823 0.025 -0.41237 -0.01296 -0.41953 0.03102 C -0.42109 0.04098 -0.42161 0.05417 -0.42239 0.06389 C -0.42591 0.10602 -0.42213 0.0551 -0.42448 0.08774 C -0.42773 0.19537 -0.42422 0.07362 -0.42734 0.3544 C -0.42734 0.35949 -0.42786 0.36459 -0.42799 0.36945 C -0.42916 0.39561 -0.42799 0.37963 -0.43086 0.40857 C -0.43177 0.42871 -0.43151 0.42755 -0.43437 0.45255 C -0.43489 0.45718 -0.43594 0.46181 -0.43646 0.46644 C -0.43711 0.4713 -0.44023 0.50232 -0.4414 0.51042 C -0.44219 0.51505 -0.44349 0.51945 -0.44427 0.52431 C -0.44752 0.54306 -0.44935 0.5625 -0.45351 0.58079 C -0.45911 0.60602 -0.45377 0.58403 -0.45846 0.59977 C -0.45989 0.60463 -0.4612 0.60973 -0.46276 0.61482 C -0.46653 0.62778 -0.47422 0.64746 -0.47825 0.6551 L -0.49023 0.67778 C -0.49193 0.68079 -0.49323 0.68449 -0.49531 0.68658 C -0.51302 0.70417 -0.49088 0.68195 -0.50729 0.69908 C -0.51575 0.70787 -0.51354 0.70556 -0.525 0.71158 C -0.52656 0.7125 -0.52995 0.71412 -0.52995 0.71412 C -0.53698 0.71204 -0.54414 0.71042 -0.55117 0.70787 C -0.55221 0.70741 -0.55325 0.70672 -0.55403 0.70533 C -0.56497 0.68797 -0.56302 0.68959 -0.57096 0.66899 C -0.57252 0.66459 -0.57487 0.66112 -0.57591 0.65625 C -0.57682 0.65162 -0.57747 0.64676 -0.57877 0.6426 C -0.58008 0.6375 -0.58229 0.63357 -0.58372 0.62871 C -0.58463 0.62547 -0.58502 0.62176 -0.58581 0.61852 C -0.58919 0.60556 -0.5931 0.59283 -0.59648 0.57963 C -0.6 0.56551 -0.60299 0.55116 -0.60638 0.53681 C -0.61693 0.4919 -0.60508 0.5419 -0.61406 0.50672 C -0.61536 0.50162 -0.6164 0.49653 -0.61771 0.49144 C -0.62526 0.46297 -0.61719 0.50371 -0.62903 0.45116 C -0.62995 0.44699 -0.63073 0.44283 -0.63177 0.43866 C -0.63424 0.4294 -0.6375 0.42061 -0.63958 0.41112 L -0.64883 0.36829 C -0.65351 0.32292 -0.65234 0.34167 -0.65377 0.31297 C -0.65351 0.25926 -0.65351 0.20556 -0.65299 0.15186 C -0.65299 0.14676 -0.65273 0.1419 -0.65234 0.13681 C -0.65182 0.12963 -0.65104 0.12246 -0.65026 0.11551 C -0.6487 0.10278 -0.64414 0.08079 -0.64245 0.0713 C -0.64193 0.06852 -0.64166 0.06528 -0.64101 0.0625 C -0.63945 0.05649 -0.63086 0.0294 -0.62903 0.02616 C -0.62799 0.02431 -0.62708 0.02292 -0.62617 0.02107 C -0.62474 0.01829 -0.62344 0.01505 -0.62187 0.01227 C -0.62083 0.01042 -0.61953 0.00903 -0.61836 0.00718 C -0.61588 0.00324 -0.61276 -0.00347 -0.60989 -0.00671 C -0.60794 -0.00879 -0.6056 -0.00972 -0.60351 -0.01157 C -0.60156 -0.01342 -0.59987 -0.0162 -0.59778 -0.01805 C -0.59648 -0.01921 -0.59492 -0.01944 -0.59362 -0.02037 C -0.59114 -0.02222 -0.58893 -0.025 -0.58659 -0.02685 C -0.57656 -0.03356 -0.57448 -0.0331 -0.56601 -0.03796 C -0.56393 -0.03935 -0.56185 -0.04097 -0.55963 -0.04189 C -0.55482 -0.04398 -0.55104 -0.04444 -0.54622 -0.0456 C -0.53646 -0.04791 -0.54544 -0.04629 -0.5306 -0.04814 L -0.48528 -0.04676 C -0.47916 -0.04606 -0.47318 -0.04236 -0.46693 -0.04051 L -0.44857 -0.03564 C -0.43893 -0.03263 -0.43841 -0.03125 -0.42943 -0.02916 C -0.42682 -0.0287 -0.42422 -0.02847 -0.42161 -0.02801 C -0.41953 -0.02754 -0.41745 -0.02708 -0.41523 -0.02685 L -0.40039 -0.0243 C -0.39713 -0.02361 -0.39388 -0.02245 -0.39049 -0.02176 C -0.38216 -0.0199 -0.3625 -0.01828 -0.35872 -0.01805 C -0.35182 -0.01713 -0.34505 -0.01574 -0.33815 -0.01551 C -0.32305 -0.01458 -0.30794 -0.01458 -0.29284 -0.01412 L -0.19245 -0.01666 C -0.18216 -0.01713 -0.17396 -0.02013 -0.16341 -0.02176 C -0.15872 -0.02245 -0.1539 -0.02245 -0.14922 -0.02291 C -0.13359 -0.025 -0.1181 -0.02847 -0.10247 -0.03055 C -0.09778 -0.03101 -0.0931 -0.03125 -0.08841 -0.03171 C -0.07773 -0.03379 -0.06719 -0.03726 -0.05651 -0.03796 L -0.02474 -0.04051 C -0.02096 -0.04189 -0.01719 -0.04351 -0.01341 -0.04444 C -0.00885 -0.04537 -0.00443 -0.04513 0.00013 -0.0456 C 0.00261 -0.04583 0.00521 -0.04652 0.00781 -0.04676 C 0.01276 -0.04745 0.01771 -0.04768 0.02266 -0.04814 C 0.03516 -0.05092 0.04089 -0.05254 0.05313 -0.05439 C 0.06003 -0.05532 0.0668 -0.05578 0.0737 -0.05694 C 0.08008 -0.05787 0.08633 -0.05949 0.09271 -0.06064 C 0.09792 -0.06157 0.10834 -0.06319 0.10834 -0.06319 C 0.12474 -0.06898 0.10573 -0.06273 0.12318 -0.06689 C 0.12578 -0.06759 0.12839 -0.06875 0.13099 -0.06944 C 0.13307 -0.07013 0.14492 -0.07268 0.1487 -0.07338 C 0.15143 -0.07384 0.1543 -0.07407 0.15716 -0.07453 C 0.16667 -0.0787 0.16602 -0.07893 0.18334 -0.07453 C 0.18438 -0.0743 0.18425 -0.07129 0.18477 -0.06944 C 0.18711 -0.04884 0.18555 -0.06481 0.18477 -0.01921 C 0.18425 0.01088 0.18464 0.01598 0.18268 0.04237 C 0.18255 0.04422 0.18216 0.04584 0.1819 0.04746 C 0.18125 0.05162 0.18047 0.05579 0.17982 0.05996 C 0.17956 0.06181 0.17943 0.06343 0.17904 0.06505 C 0.178 0.06945 0.17656 0.07338 0.17552 0.07778 C 0.17422 0.08311 0.17318 0.08866 0.17201 0.09399 C 0.17175 0.09537 0.17162 0.09653 0.17136 0.09769 C 0.17005 0.10162 0.16315 0.11875 0.16276 0.11922 C 0.16159 0.1213 0.16042 0.12338 0.15925 0.12547 C 0.15625 0.13125 0.15599 0.13311 0.15287 0.13797 C 0.13841 0.16042 0.15182 0.13912 0.13802 0.15811 C 0.13177 0.1669 0.13268 0.16852 0.12526 0.1757 C 0.1181 0.18287 0.11068 0.18936 0.10339 0.19584 C 0.09961 0.19931 0.0961 0.20394 0.09206 0.20602 C 0.08425 0.20973 0.07774 0.21297 0.0694 0.21598 C 0.06589 0.21737 0.06237 0.21875 0.05886 0.21991 C 0.05625 0.22061 0.05365 0.22061 0.05104 0.22107 C 0.04909 0.22153 0.04727 0.22199 0.04531 0.22223 L 0.0043 0.21852 C 0.00078 0.21806 -0.00273 0.2169 -0.00625 0.21598 C -0.00846 0.21551 -0.01055 0.21528 -0.01263 0.21482 C -0.02396 0.20973 -0.02331 0.20996 -0.03737 0.20463 C -0.05638 0.19769 -0.03594 0.20556 -0.05091 0.20093 C -0.05586 0.19931 -0.06081 0.19746 -0.06575 0.19584 C -0.06732 0.19537 -0.06901 0.19491 -0.0707 0.19468 C -0.07539 0.19399 -0.08008 0.19375 -0.08489 0.19329 C -0.09258 0.1919 -0.09635 0.19098 -0.10534 0.19098 L -0.18112 0.19213 L -0.1931 0.19468 C -0.19805 0.19561 -0.20299 0.19607 -0.20794 0.19723 C -0.22656 0.20116 -0.22344 0.20348 -0.24622 0.20463 L -0.26745 0.20602 L -0.28372 0.20718 L -0.34245 0.20973 L -0.41523 0.21227 L -0.44505 0.21737 L -0.45208 0.21852 L -0.46693 0.22107 C -0.46953 0.22269 -0.472 0.22477 -0.47474 0.22616 C -0.47969 0.22848 -0.48463 0.2301 -0.48958 0.23241 C -0.49219 0.23357 -0.49492 0.23449 -0.49739 0.23612 C -0.49987 0.23774 -0.50208 0.24051 -0.50443 0.24237 C -0.50976 0.24653 -0.51549 0.24908 -0.5207 0.25371 C -0.52409 0.25672 -0.52721 0.25996 -0.5306 0.2625 C -0.53281 0.26436 -0.53502 0.26551 -0.53698 0.2676 C -0.53997 0.27061 -0.54271 0.27431 -0.54544 0.27778 C -0.54596 0.2794 -0.54609 0.28149 -0.54687 0.28264 C -0.54765 0.28403 -0.54909 0.2838 -0.54974 0.28519 C -0.55065 0.28727 -0.55065 0.29028 -0.55117 0.29283 C -0.55156 0.29445 -0.55208 0.29607 -0.5526 0.29792 C -0.5526 0.29815 -0.55247 0.34491 -0.55117 0.35949 C -0.54974 0.37593 -0.55026 0.36366 -0.54831 0.3757 C -0.547 0.3838 -0.54674 0.3919 -0.54479 0.39977 C -0.54193 0.41088 -0.53724 0.42385 -0.53281 0.43357 C -0.52956 0.44051 -0.52617 0.44699 -0.52278 0.45371 C -0.52135 0.45672 -0.52044 0.46065 -0.51862 0.4625 C -0.51627 0.46505 -0.5138 0.4676 -0.51146 0.47014 C -0.50325 0.4794 -0.51015 0.47338 -0.49661 0.48658 C -0.49505 0.48797 -0.49336 0.48912 -0.49166 0.49028 C -0.48307 0.49607 -0.48229 0.49468 -0.47122 0.50024 C -0.46836 0.50186 -0.46562 0.50417 -0.46276 0.50533 C -0.46002 0.50649 -0.44219 0.50787 -0.44219 0.50787 C -0.42474 0.50695 -0.40729 0.50741 -0.38984 0.50533 C -0.37526 0.50371 -0.35963 0.49723 -0.34518 0.49283 C -0.28112 0.47338 -0.37018 0.50186 -0.30989 0.48149 C -0.30065 0.47824 -0.2914 0.47593 -0.28229 0.47269 C -0.27591 0.47037 -0.26953 0.46737 -0.26315 0.46505 C -0.24805 0.45973 -0.23294 0.4551 -0.21784 0.45 L -0.19166 0.44121 L -0.17122 0.43496 C -0.15221 0.42848 -0.1539 0.42871 -0.13086 0.42362 C -0.11627 0.42037 -0.10169 0.41574 -0.08698 0.41482 L -0.06497 0.41343 L 0.08073 0.41482 C 0.08581 0.41505 0.09063 0.41945 0.09557 0.42107 C 0.10026 0.42246 0.10508 0.42269 0.10977 0.42362 L 0.14232 0.4375 C 0.14727 0.43959 0.15235 0.44051 0.15716 0.44375 C 0.16901 0.45162 0.18125 0.45764 0.19258 0.4676 C 0.1944 0.46922 0.19623 0.47107 0.19818 0.47269 C 0.20026 0.47431 0.20248 0.4757 0.20456 0.47778 C 0.23294 0.50579 0.2099 0.48311 0.22018 0.49537 C 0.22344 0.49908 0.22722 0.50162 0.23008 0.50672 C 0.23294 0.51181 0.23763 0.51991 0.23919 0.52547 C 0.24024 0.52894 0.24115 0.53218 0.24206 0.53565 C 0.24258 0.53774 0.24323 0.54213 0.24349 0.54445 C 0.24323 0.55232 0.24336 0.56042 0.24284 0.56829 C 0.24258 0.57084 0.24063 0.57709 0.23998 0.57963 C 0.2375 0.58959 0.23972 0.58357 0.23503 0.59468 C 0.2332 0.59885 0.23125 0.60324 0.2293 0.60718 C 0.22735 0.61135 0.22396 0.61667 0.22149 0.61991 C 0.21602 0.62732 0.21875 0.62292 0.21237 0.62871 C 0.19115 0.64746 0.21393 0.62917 0.19531 0.6426 C 0.19206 0.64491 0.18893 0.64792 0.18542 0.65 C 0.17266 0.65764 0.17162 0.65579 0.1586 0.66019 C 0.14297 0.66528 0.16237 0.66644 0.12813 0.67153 C 0.11016 0.67408 0.12995 0.67084 0.10899 0.67524 C 0.10065 0.67686 0.09792 0.67662 0.08854 0.67778 C 0.07591 0.67917 0.07956 0.68056 0.06159 0.68149 C 0.04636 0.68241 0.03099 0.68241 0.01563 0.68264 L -0.0431 0.68403 L -0.12943 0.68264 C -0.13984 0.68195 -0.15026 0.67824 -0.16055 0.67524 L -0.18958 0.66644 C -0.20963 0.65996 -0.19805 0.66227 -0.21289 0.66019 C -0.22526 0.65579 -0.2457 0.64908 -0.25534 0.64121 C -0.25794 0.63912 -0.26055 0.63681 -0.26315 0.63496 C -0.28125 0.62292 -0.26719 0.63936 -0.29505 0.60973 C -0.29974 0.60463 -0.30495 0.60093 -0.30911 0.59468 C -0.31588 0.58496 -0.32435 0.57408 -0.33034 0.56204 C -0.33398 0.55463 -0.33828 0.54792 -0.34101 0.53936 C -0.34726 0.51899 -0.34974 0.5125 -0.35443 0.49144 C -0.35534 0.4875 -0.35586 0.48311 -0.35651 0.47894 C -0.35742 0.47385 -0.35859 0.46899 -0.35937 0.46389 C -0.36041 0.45811 -0.36263 0.43959 -0.36289 0.43612 C -0.36328 0.43241 -0.36341 0.42871 -0.36367 0.42477 C -0.36393 0.4169 -0.36432 0.40903 -0.36432 0.40093 C -0.36432 0.3882 -0.36484 0.3713 -0.36224 0.35811 C -0.36172 0.35556 -0.36081 0.35324 -0.36015 0.3507 C -0.35963 0.34862 -0.3595 0.34607 -0.35872 0.34445 C -0.35729 0.34098 -0.35534 0.33866 -0.35377 0.33565 C -0.34883 0.32593 -0.35495 0.33287 -0.34518 0.32037 C -0.34323 0.31783 -0.34088 0.31667 -0.33893 0.31412 C -0.3345 0.30903 -0.3306 0.30255 -0.32617 0.29792 C -0.31041 0.28149 -0.31719 0.28797 -0.2914 0.26644 C -0.2763 0.25348 -0.26328 0.24468 -0.24687 0.23357 C -0.24153 0.2301 -0.23607 0.22639 -0.2306 0.22362 C -0.17448 0.19422 -0.20377 0.21019 -0.16055 0.19213 C -0.1414 0.18426 -0.14414 0.18311 -0.12656 0.17824 C -0.10755 0.17292 -0.09883 0.17176 -0.0806 0.16829 C -0.06354 0.16852 -0.00989 0.1625 0.02057 0.17338 C 0.0263 0.17524 0.0319 0.17848 0.03763 0.18079 C 0.04245 0.18287 0.04753 0.18357 0.05248 0.18588 C 0.06263 0.19028 0.07253 0.19699 0.08281 0.20093 C 0.09375 0.2051 0.10456 0.20903 0.11537 0.21343 C 0.12044 0.21574 0.12526 0.21922 0.13021 0.22107 C 0.15612 0.23102 0.15925 0.23125 0.18047 0.23612 C 0.19961 0.23542 0.21875 0.23565 0.23776 0.23357 C 0.24284 0.23311 0.24779 0.23056 0.25274 0.22871 C 0.27005 0.22153 0.2668 0.2213 0.28386 0.21112 C 0.29584 0.20371 0.29935 0.20324 0.31003 0.19468 C 0.32305 0.18403 0.33959 0.17037 0.35104 0.1544 C 0.3543 0.14977 0.35794 0.14584 0.36094 0.14051 C 0.36459 0.13426 0.37084 0.12037 0.37084 0.12037 C 0.37253 0.11158 0.37266 0.11135 0.37292 0.09653 C 0.37305 0.09028 0.37279 0.0838 0.37227 0.07778 C 0.37214 0.07616 0.37123 0.07524 0.37084 0.07385 C 0.3681 0.06528 0.3711 0.07061 0.36445 0.06135 C 0.3582 0.05255 0.35703 0.05278 0.34818 0.04491 C 0.34636 0.04329 0.34453 0.04144 0.34258 0.03982 L 0.31914 0.02107 C 0.31472 0.01737 0.30755 0.01158 0.30287 0.00857 C 0.30039 0.00672 0.29779 0.00487 0.29518 0.00348 C 0.27956 -0.00555 0.2793 -0.00532 0.26615 -0.01157 L 0.2513 -0.01041 C 0.25026 -0.00995 0.25104 -0.00694 0.25052 -0.00532 C 0.25 -0.00347 0.24896 -0.00208 0.24844 -0.00023 C 0.24779 0.00162 0.2474 0.00371 0.24701 0.00602 C 0.2457 0.01389 0.24466 0.02199 0.24349 0.02987 C 0.24297 0.03311 0.24245 0.03658 0.24206 0.03982 L 0.23998 0.0625 C 0.24024 0.07338 0.24037 0.10209 0.24206 0.11922 C 0.24219 0.12084 0.24258 0.12246 0.24284 0.12431 C 0.24258 0.13311 0.24323 0.14213 0.24206 0.1507 C 0.24167 0.15324 0.23998 0.1551 0.23854 0.15556 C 0.23438 0.15764 0.23008 0.15741 0.22578 0.15811 C 0.21771 0.15741 0.20964 0.15764 0.20169 0.15556 C 0.19662 0.1544 0.1918 0.1507 0.18685 0.14815 C 0.18255 0.14584 0.17826 0.14352 0.17409 0.14051 C 0.16341 0.13311 0.15495 0.125 0.14518 0.11412 C 0.13972 0.10811 0.13138 0.09815 0.12669 0.08889 C 0.12487 0.08519 0.12318 0.08079 0.12175 0.07639 C 0.11953 0.06945 0.11927 0.06412 0.11823 0.05625 C 0.11901 0.04699 0.11875 0.0375 0.12031 0.02871 C 0.12253 0.01644 0.1405 -0.00763 0.14154 -0.00902 C 0.14492 -0.01319 0.14922 -0.01481 0.15287 -0.01805 C 0.15599 -0.0206 0.15886 -0.0243 0.16211 -0.02685 C 0.17175 -0.03402 0.18307 -0.04004 0.19323 -0.04444 C 0.19701 -0.04583 0.20078 -0.04676 0.20456 -0.04814 C 0.22057 -0.04722 0.23672 -0.04791 0.25274 -0.0456 C 0.25664 -0.04513 0.26029 -0.04166 0.26406 -0.03935 C 0.2655 -0.03842 0.26693 -0.03703 0.26823 -0.03564 C 0.27253 -0.03078 0.27487 -0.02685 0.27813 -0.02037 C 0.27982 -0.01713 0.28177 -0.01412 0.28307 -0.01041 C 0.28464 -0.00648 0.28568 -0.00208 0.28659 0.00209 C 0.29024 0.01806 0.2888 0.01042 0.29089 0.02477 C 0.29024 0.03658 0.29076 0.04885 0.2888 0.05996 C 0.28841 0.06204 0.28008 0.08218 0.27748 0.08658 C 0.27643 0.0882 0.275 0.08889 0.27396 0.09028 C 0.27175 0.09306 0.26992 0.09676 0.26758 0.09908 C 0.26328 0.10324 0.25222 0.1125 0.24636 0.11551 C 0.24141 0.11783 0.23646 0.11991 0.23151 0.12176 C 0.22891 0.12246 0.2263 0.12246 0.2237 0.12292 C 0.19258 0.11968 0.17305 0.12524 0.14727 0.10903 C 0.14284 0.10649 0.13867 0.10255 0.13451 0.09908 C 0.12943 0.09468 0.12409 0.08727 0.12031 0.0801 C 0.1181 0.0757 0.11628 0.07037 0.11472 0.06505 C 0.11263 0.05811 0.11198 0.04723 0.1112 0.03982 C 0.11211 0.03033 0.11185 0.01991 0.11393 0.01088 C 0.11771 -0.00416 0.128 -0.03032 0.13659 -0.04189 C 0.14336 -0.05069 0.15052 -0.05833 0.15781 -0.06574 C 0.16914 -0.07708 0.17787 -0.08194 0.19037 -0.08842 C 0.19597 -0.0912 0.20169 -0.09375 0.20742 -0.09583 C 0.21211 -0.09768 0.2168 -0.09838 0.22149 -0.09976 C 0.23425 -0.09838 0.24714 -0.09907 0.25977 -0.09583 C 0.26693 -0.09421 0.27669 -0.08495 0.28307 -0.07824 C 0.29128 -0.06967 0.29714 -0.06226 0.30365 -0.04814 C 0.30573 -0.04351 0.3082 -0.03935 0.31003 -0.03426 C 0.31276 -0.02638 0.31498 -0.01782 0.31706 -0.00902 C 0.31901 -0.00115 0.31979 0.0088 0.32057 0.01737 C 0.32018 0.02778 0.32005 0.03843 0.31914 0.04885 C 0.31823 0.05973 0.31758 0.05811 0.31498 0.06505 C 0.31367 0.06829 0.31289 0.07223 0.31146 0.07524 C 0.31042 0.07732 0.30912 0.07871 0.30781 0.0801 C 0.30651 0.08195 0.30508 0.0838 0.30365 0.08519 C 0.30078 0.08797 0.29688 0.09028 0.29375 0.09144 C 0.29115 0.0926 0.28854 0.09329 0.28594 0.09399 C 0.27474 0.09283 0.24961 0.0926 0.23503 0.08658 C 0.22735 0.08334 0.21953 0.08056 0.21237 0.07524 C 0.20039 0.06621 0.20065 0.06737 0.19115 0.05764 C 0.18919 0.05556 0.18724 0.05371 0.18542 0.05116 C 0.18125 0.04537 0.17617 0.04051 0.17344 0.03241 C 0.16862 0.01829 0.1711 0.02315 0.16706 0.01598 C 0.1655 0.00996 0.1638 0.00371 0.16276 -0.00277 C 0.1625 -0.00509 0.16159 -0.01736 0.16146 -0.01921 C 0.16185 -0.02708 0.16211 -0.03518 0.16276 -0.04305 C 0.16289 -0.04444 0.16511 -0.05277 0.16563 -0.05439 C 0.16654 -0.05671 0.16758 -0.05856 0.16849 -0.06064 C 0.16901 -0.06226 0.16927 -0.06435 0.16992 -0.06574 C 0.1707 -0.06736 0.17188 -0.06805 0.17279 -0.06944 C 0.17383 -0.07152 0.17448 -0.07384 0.17552 -0.07569 C 0.17761 -0.07963 0.17956 -0.08402 0.1819 -0.08703 C 0.18281 -0.08842 0.18386 -0.08935 0.18477 -0.09097 C 0.20065 -0.11759 0.19024 -0.10231 0.19896 -0.11481 C 0.19961 -0.11689 0.20026 -0.11898 0.20104 -0.12106 C 0.20169 -0.12291 0.20248 -0.1243 0.20313 -0.12615 C 0.20443 -0.12963 0.20456 -0.13125 0.20521 -0.13495 C 0.20482 -0.13912 0.20482 -0.14351 0.20391 -0.14745 C 0.20195 -0.15463 0.19753 -0.15555 0.19401 -0.15763 C 0.19232 -0.15856 0.19063 -0.15926 0.18906 -0.16018 C 0.18763 -0.16088 0.1862 -0.16203 0.18477 -0.1625 C 0.16693 -0.16921 0.16745 -0.16875 0.15573 -0.17129 L 0.12253 -0.17013 C 0.12175 -0.17013 0.1211 -0.16944 0.12031 -0.16898 C 0.11797 -0.16689 0.11511 -0.16597 0.11328 -0.1625 L 0.11042 -0.15763 C 0.10899 -0.14444 0.10873 -0.14583 0.11185 -0.12476 C 0.1125 -0.1206 0.11432 -0.11736 0.11537 -0.11365 C 0.11641 -0.10995 0.11719 -0.10578 0.11823 -0.10231 C 0.11901 -0.09953 0.12018 -0.09722 0.1211 -0.09467 C 0.12227 -0.09097 0.12331 -0.08703 0.12461 -0.08333 C 0.12709 -0.07615 0.13047 -0.06967 0.13242 -0.06203 C 0.13334 -0.0581 0.13425 -0.05439 0.13516 -0.05069 C 0.13568 -0.04884 0.13633 -0.04745 0.13659 -0.0456 C 0.13789 -0.03888 0.14024 -0.02546 0.14024 -0.02546 C 0.14115 -0.00926 0.14154 -0.00902 0.14024 0.01227 C 0.13998 0.01459 0.13932 0.01644 0.1388 0.01852 C 0.13672 0.02547 0.13503 0.03264 0.13242 0.03866 C 0.12891 0.04676 0.11862 0.06389 0.11263 0.0676 C 0.10664 0.07107 0.10026 0.075 0.09414 0.07778 C 0.09141 0.07894 0.08854 0.0794 0.08568 0.0801 C 0.06419 0.07755 0.05899 0.08033 0.04258 0.0713 C 0.03542 0.0676 0.02709 0.05857 0.02136 0.05255 C 0.01107 0.0419 0.00703 0.03612 -0.00208 0.01991 C -0.00521 0.01436 -0.01276 0.00116 -0.01549 -0.00532 C -0.0194 -0.01481 -0.02226 -0.02476 -0.02474 -0.03564 C -0.02578 -0.04004 -0.02656 -0.04467 -0.02747 -0.0493 C -0.02799 -0.05393 -0.02851 -0.05856 -0.0289 -0.06319 C -0.02995 -0.07615 -0.03008 -0.08912 -0.0289 -0.10231 C -0.02877 -0.10463 -0.02747 -0.10625 -0.02682 -0.10856 C -0.02578 -0.11226 -0.02513 -0.1162 -0.02396 -0.1199 C -0.02305 -0.12268 -0.02174 -0.125 -0.02044 -0.12731 C -0.0181 -0.13217 -0.01588 -0.13541 -0.01263 -0.13865 C -0.01041 -0.14097 -0.00781 -0.14259 -0.0056 -0.1449 C 0.00235 -0.15324 -0.0039 -0.15023 0.00365 -0.15254 C 0.00573 -0.1537 0.00781 -0.15532 0.01003 -0.15625 C 0.01133 -0.15694 0.01276 -0.15717 0.01419 -0.15763 C 0.02044 -0.15926 0.01953 -0.15879 0.02695 -0.16018 C 0.03334 -0.15833 0.03972 -0.1574 0.0461 -0.15509 C 0.04805 -0.15439 0.05 -0.15324 0.05169 -0.15138 C 0.0569 -0.14537 0.06419 -0.13611 0.06797 -0.12615 C 0.07044 -0.11967 0.07253 -0.11296 0.07435 -0.10601 C 0.07539 -0.10231 0.07578 -0.09838 0.07643 -0.09467 C 0.07761 -0.07708 0.07852 -0.07037 0.07513 -0.04814 C 0.07396 -0.04074 0.07136 -0.03426 0.06875 -0.02801 C 0.06576 -0.02106 0.06172 -0.01064 0.05807 -0.00532 C 0.05599 -0.00231 0.05339 -0.00046 0.05104 0.00209 C 0.04154 0.01297 0.04141 0.01968 0.02487 0.02362 L 0.01419 0.02616 C -0.00351 0.02362 -0.02122 0.02246 -0.0388 0.01852 C -0.04453 0.01713 -0.06979 -0.00115 -0.07213 -0.00277 C -0.0901 -0.0162 -0.09648 -0.02314 -0.11523 -0.04676 C -0.11927 -0.05185 -0.1237 -0.05625 -0.12734 -0.06203 C -0.13268 -0.07037 -0.13763 -0.07963 -0.14219 -0.08958 C -0.1431 -0.09166 -0.14414 -0.09375 -0.14505 -0.09583 C -0.147 -0.10115 -0.14896 -0.10671 -0.15065 -0.11226 C -0.15156 -0.11504 -0.15208 -0.11805 -0.15273 -0.12106 C -0.15325 -0.13148 -0.1543 -0.13657 -0.15208 -0.14629 C -0.15169 -0.14791 -0.15078 -0.14907 -0.15 -0.15 C -0.14726 -0.15254 -0.1414 -0.15625 -0.1414 -0.15625 C -0.12786 -0.15439 -0.12747 -0.15995 -0.12096 -0.15 C -0.12018 -0.14884 -0.11953 -0.14745 -0.11875 -0.14629 C -0.11784 -0.14259 -0.11666 -0.13888 -0.11601 -0.13495 C -0.11549 -0.13217 -0.11523 -0.12916 -0.11523 -0.12615 C -0.11523 -0.11782 -0.11536 -0.10926 -0.11601 -0.10092 C -0.1164 -0.09606 -0.1181 -0.08935 -0.11953 -0.08472 C -0.12044 -0.08171 -0.12122 -0.07847 -0.12239 -0.07569 C -0.12344 -0.07314 -0.12461 -0.0706 -0.12591 -0.06828 C -0.12799 -0.06412 -0.13151 -0.05787 -0.13437 -0.05439 C -0.13594 -0.05254 -0.13763 -0.05092 -0.13932 -0.0493 C -0.14518 -0.04444 -0.15234 -0.04236 -0.15846 -0.04051 C -0.1612 -0.03981 -0.16406 -0.03981 -0.16693 -0.03935 L -0.20586 -0.0456 C -0.2082 -0.04606 -0.21055 -0.04722 -0.21289 -0.04814 C -0.22643 -0.0537 -0.23333 -0.05694 -0.24687 -0.06689 C -0.25052 -0.06967 -0.2539 -0.07407 -0.25755 -0.07708 C -0.26028 -0.07939 -0.26328 -0.08078 -0.26601 -0.08333 C -0.26966 -0.0868 -0.27305 -0.0912 -0.27656 -0.09467 C -0.2789 -0.09699 -0.28151 -0.09838 -0.28372 -0.10092 C -0.28763 -0.10555 -0.2914 -0.11064 -0.29505 -0.11597 C -0.29635 -0.11828 -0.29739 -0.12106 -0.29857 -0.12361 C -0.29974 -0.12638 -0.30104 -0.12939 -0.30208 -0.1324 C -0.30416 -0.13842 -0.30495 -0.14259 -0.30638 -0.14884 C -0.30677 -0.15486 -0.30768 -0.16041 -0.30638 -0.16643 C -0.30508 -0.17199 -0.30221 -0.17453 -0.29922 -0.17638 C -0.29206 -0.18101 -0.29114 -0.18032 -0.28372 -0.18148 C -0.27969 -0.17986 -0.27552 -0.1787 -0.27161 -0.17638 C -0.27031 -0.17569 -0.26927 -0.17407 -0.2681 -0.17268 C -0.26745 -0.17176 -0.26653 -0.17129 -0.26601 -0.17013 C -0.26354 -0.16574 -0.26289 -0.16273 -0.26107 -0.15763 C -0.26055 -0.15625 -0.26002 -0.15509 -0.25963 -0.1537 C -0.25885 -0.13819 -0.25781 -0.12824 -0.26028 -0.11111 C -0.26094 -0.10694 -0.26315 -0.10439 -0.26458 -0.10092 C -0.26771 -0.09328 -0.26406 -0.09976 -0.27096 -0.08842 C -0.27278 -0.08541 -0.27448 -0.08217 -0.27656 -0.07963 C -0.2776 -0.07824 -0.27903 -0.07801 -0.28008 -0.07708 C -0.28281 -0.07476 -0.28515 -0.07152 -0.28789 -0.06944 C -0.29153 -0.06666 -0.30612 -0.05717 -0.31133 -0.05578 C -0.31497 -0.05463 -0.31888 -0.05486 -0.32265 -0.05439 L -0.33893 -0.05324 C -0.34401 -0.05231 -0.34922 -0.05023 -0.35443 -0.05069 C -0.38502 -0.05254 -0.40469 -0.05277 -0.43086 -0.06319 C -0.44713 -0.06967 -0.46393 -0.07361 -0.47969 -0.08333 C -0.49479 -0.09259 -0.51081 -0.09791 -0.525 -0.11111 C -0.54922 -0.13356 -0.55117 -0.13032 -0.56536 -0.15254 C -0.56979 -0.15949 -0.56888 -0.15787 -0.57096 -0.16504 C -0.57005 -0.17013 -0.56966 -0.17569 -0.5681 -0.18032 C -0.56719 -0.18287 -0.56549 -0.18426 -0.56393 -0.18518 C -0.56237 -0.18634 -0.56055 -0.18611 -0.55898 -0.18657 C -0.55612 -0.18703 -0.55325 -0.18726 -0.55039 -0.18773 C -0.54362 -0.18726 -0.53672 -0.18819 -0.52995 -0.18657 C -0.52344 -0.18495 -0.51693 -0.18171 -0.51081 -0.17777 C -0.48515 -0.16064 -0.48515 -0.16435 -0.46549 -0.14004 C -0.4612 -0.13449 -0.45729 -0.13032 -0.45351 -0.12361 C -0.45195 -0.12083 -0.45052 -0.11805 -0.44922 -0.11481 C -0.44661 -0.10787 -0.44219 -0.09351 -0.44219 -0.09351 C -0.43984 -0.0743 -0.43932 -0.07615 -0.44284 -0.04814 C -0.44375 -0.04097 -0.44896 -0.03402 -0.45143 -0.02916 C -0.45221 -0.02777 -0.4526 -0.02569 -0.45351 -0.0243 C -0.45534 -0.02106 -0.46107 -0.01273 -0.46341 -0.01041 C -0.46797 -0.00578 -0.47278 -0.00185 -0.4776 0.00209 C -0.48008 0.0044 -0.48255 0.00718 -0.48528 0.00857 C -0.49388 0.01227 -0.49336 0.01227 -0.50521 0.01598 C -0.5082 0.0169 -0.51133 0.01783 -0.51432 0.01852 C -0.51719 0.01922 -0.52005 0.01945 -0.52278 0.01991 C -0.53672 0.01945 -0.55065 0.01968 -0.56458 0.01852 C -0.57747 0.01737 -0.5819 0.0132 -0.59427 0.00718 C -0.61666 -0.00347 -0.60833 0.00301 -0.62617 -0.01157 C -0.6289 -0.01388 -0.63476 -0.01875 -0.6375 -0.02291 C -0.63997 -0.02685 -0.64232 -0.03101 -0.64453 -0.03564 C -0.6457 -0.03773 -0.64661 -0.04051 -0.64739 -0.04305 C -0.64805 -0.04537 -0.64831 -0.04814 -0.64883 -0.05069 C -0.64765 -0.06157 -0.64726 -0.07291 -0.64531 -0.08333 C -0.64466 -0.0868 -0.64258 -0.08865 -0.64101 -0.09097 C -0.63424 -0.1 -0.63255 -0.09907 -0.62409 -0.10347 C -0.60703 -0.10092 -0.58997 -0.10023 -0.57305 -0.09583 C -0.56653 -0.09421 -0.55 -0.08032 -0.54479 -0.07453 C -0.53841 -0.06759 -0.53164 -0.06134 -0.52643 -0.05185 C -0.52474 -0.04907 -0.52305 -0.04606 -0.52148 -0.04305 C -0.51784 -0.03611 -0.51419 -0.02916 -0.51081 -0.02176 C -0.50794 -0.01551 -0.5043 -0.00532 -0.50234 0.00209 C -0.50104 0.00718 -0.49974 0.01204 -0.49883 0.01737 C -0.49818 0.02037 -0.49622 0.03612 -0.49596 0.03866 C -0.49622 0.05116 -0.49544 0.06412 -0.49661 0.07639 C -0.49726 0.08287 -0.49974 0.08843 -0.50156 0.09399 C -0.50521 0.10487 -0.50182 0.09653 -0.50651 0.10417 C -0.50807 0.10649 -0.50937 0.10926 -0.51081 0.11158 C -0.51198 0.11343 -0.51328 0.11482 -0.51432 0.11667 C -0.5151 0.11783 -0.51562 0.11945 -0.51653 0.12037 C -0.51732 0.12153 -0.51836 0.12199 -0.51927 0.12292 C -0.52122 0.125 -0.52291 0.12755 -0.525 0.12917 C -0.52982 0.13311 -0.53463 0.1375 -0.53984 0.13936 L -0.55469 0.14445 C -0.55703 0.14514 -0.55937 0.14653 -0.56172 0.14676 L -0.57656 0.14931 C -0.60755 0.14653 -0.60742 0.15463 -0.62539 0.13936 C -0.62721 0.13797 -0.6289 0.13635 -0.63034 0.13426 C -0.63177 0.13241 -0.63281 0.1301 -0.63398 0.12801 C -0.63463 0.12454 -0.6362 0.12153 -0.63607 0.11783 C -0.63568 0.10764 -0.63502 0.09699 -0.63255 0.08774 C -0.6293 0.0757 -0.622 0.06991 -0.61549 0.06644 C -0.61328 0.06505 -0.61081 0.06459 -0.60846 0.06389 C -0.60325 0.06436 -0.59778 0.06227 -0.59284 0.06505 C -0.58945 0.06713 -0.58685 0.07292 -0.58437 0.07778 C -0.57825 0.08959 -0.57617 0.09237 -0.57161 0.10533 C -0.56627 0.12107 -0.55612 0.15371 -0.55325 0.16945 C -0.55 0.1875 -0.547 0.20255 -0.54479 0.22107 C -0.54414 0.22639 -0.54401 0.23195 -0.54336 0.2375 C -0.54219 0.24676 -0.54049 0.25579 -0.53906 0.26505 C -0.53867 0.27223 -0.53776 0.28658 -0.53776 0.29283 C -0.53776 0.30209 -0.53789 0.31135 -0.53841 0.32037 C -0.53854 0.32315 -0.53932 0.32547 -0.53984 0.32801 C -0.54336 0.34352 -0.54153 0.33612 -0.54765 0.34931 C -0.54818 0.35047 -0.54844 0.35209 -0.54909 0.35324 C -0.55221 0.35926 -0.55547 0.36528 -0.55963 0.36945 C -0.56002 0.36991 -0.57617 0.38449 -0.57877 0.38588 L -0.58581 0.38959 C -0.58932 0.39167 -0.59284 0.39445 -0.59648 0.39584 C -0.60156 0.39815 -0.61198 0.40093 -0.61198 0.40093 C -0.62422 0.40024 -0.62916 0.40602 -0.63672 0.39584 C -0.63763 0.39491 -0.63815 0.39352 -0.63893 0.39213 C -0.6388 0.38704 -0.63971 0.36505 -0.63672 0.35556 C -0.63633 0.35417 -0.63528 0.35324 -0.63463 0.35186 C -0.62695 0.33519 -0.63372 0.34699 -0.6276 0.33797 C -0.62552 0.33519 -0.61849 0.32385 -0.61484 0.32037 C -0.61302 0.31875 -0.6013 0.31181 -0.60065 0.31158 C -0.59818 0.31065 -0.59544 0.31088 -0.59284 0.31042 C -0.58177 0.31158 -0.57122 0.30973 -0.56107 0.31783 C -0.5582 0.32014 -0.55586 0.32385 -0.55325 0.32662 C -0.52799 0.35324 -0.5526 0.32524 -0.53555 0.34676 C -0.53112 0.35255 -0.52617 0.35695 -0.52213 0.3632 C -0.51133 0.37987 -0.49948 0.40625 -0.4931 0.42871 C -0.49153 0.43449 -0.48945 0.44005 -0.48815 0.4463 C -0.48672 0.45324 -0.48581 0.46042 -0.48463 0.4676 C -0.48411 0.47408 -0.48242 0.49422 -0.48255 0.49653 C -0.48281 0.51181 -0.48398 0.52686 -0.48528 0.5419 C -0.48581 0.54723 -0.48789 0.55371 -0.48958 0.55811 C -0.49075 0.56112 -0.49153 0.56459 -0.4931 0.5669 C -0.49583 0.57107 -0.49883 0.57524 -0.50234 0.57709 C -0.50403 0.57801 -0.5056 0.57894 -0.50729 0.57963 C -0.50924 0.58056 -0.51315 0.58149 -0.5151 0.58218 C -0.52291 0.58125 -0.53515 0.58496 -0.54271 0.57454 C -0.54414 0.57246 -0.54505 0.56945 -0.54622 0.5669 C -0.54687 0.5632 -0.5487 0.55949 -0.54831 0.55579 C -0.54791 0.55139 -0.54778 0.54051 -0.54544 0.53565 C -0.54336 0.53102 -0.53984 0.52547 -0.53698 0.52176 C -0.53568 0.51991 -0.53437 0.51783 -0.53281 0.51667 C -0.52956 0.51436 -0.5263 0.5125 -0.52278 0.51158 C -0.5151 0.50996 -0.51901 0.51088 -0.51081 0.50903 C -0.49831 0.51042 -0.48581 0.51019 -0.47331 0.51297 C -0.46797 0.51412 -0.46302 0.51806 -0.45768 0.52037 C -0.45443 0.52199 -0.45117 0.52292 -0.44778 0.52431 C -0.43997 0.53172 -0.42252 0.54723 -0.41458 0.55811 C -0.40833 0.56667 -0.40195 0.57524 -0.39687 0.58588 C -0.39153 0.59746 -0.38867 0.60255 -0.38411 0.61482 C -0.38268 0.61899 -0.38138 0.62315 -0.37995 0.62732 C -0.3793 0.63218 -0.37786 0.64167 -0.37773 0.64491 C -0.3776 0.6551 -0.37786 0.66528 -0.37851 0.67524 C -0.37877 0.67963 -0.37956 0.6838 -0.3806 0.68774 C -0.38659 0.71088 -0.3875 0.71505 -0.39479 0.73056 C -0.39635 0.73403 -0.39778 0.73774 -0.39974 0.74051 C -0.40312 0.74607 -0.41328 0.75649 -0.41666 0.75949 C -0.4194 0.76181 -0.42747 0.76389 -0.42943 0.76459 C -0.4332 0.76366 -0.43711 0.76412 -0.44075 0.76204 C -0.44193 0.76135 -0.44284 0.75903 -0.44284 0.75695 C -0.44284 0.74676 -0.44166 0.73681 -0.44075 0.72686 C -0.44036 0.72199 -0.43945 0.7176 -0.43867 0.71297 C -0.43659 0.70162 -0.43489 0.69375 -0.43086 0.68403 C -0.4276 0.67616 -0.42383 0.66875 -0.42018 0.66135 C -0.41836 0.65741 -0.41666 0.65348 -0.41458 0.65 C -0.40911 0.64121 -0.40416 0.63149 -0.39831 0.62362 C -0.3776 0.59607 -0.39596 0.61945 -0.37773 0.59838 C -0.37539 0.59561 -0.37331 0.5919 -0.3707 0.58959 C -0.36627 0.58565 -0.33216 0.55857 -0.32474 0.55579 C -0.32135 0.5544 -0.3181 0.55324 -0.31484 0.55186 C -0.31224 0.5507 -0.30963 0.54908 -0.30703 0.54815 C -0.30299 0.54653 -0.29909 0.54537 -0.29505 0.54445 C -0.29114 0.54329 -0.28125 0.54237 -0.27799 0.5419 C -0.2681 0.5426 -0.25807 0.54167 -0.24831 0.54445 C -0.24271 0.54584 -0.2345 0.55116 -0.22995 0.55949 C -0.22812 0.5625 -0.22643 0.56598 -0.225 0.56945 C -0.22357 0.57269 -0.22252 0.57616 -0.22135 0.57963 C -0.22044 0.58542 -0.21849 0.59121 -0.21862 0.59723 C -0.21875 0.60857 -0.21836 0.61991 -0.21927 0.63125 C -0.21966 0.63635 -0.22513 0.6463 -0.22708 0.64885 C -0.2293 0.65162 -0.23607 0.65649 -0.23906 0.6588 L -0.27734 0.65764 C -0.2862 0.65579 -0.29479 0.65047 -0.30351 0.6463 C -0.31068 0.64283 -0.31771 0.63912 -0.32474 0.63496 C -0.33008 0.63172 -0.33515 0.62755 -0.34023 0.62362 C -0.35247 0.61412 -0.36693 0.6007 -0.37773 0.58843 C -0.38203 0.58357 -0.38568 0.57732 -0.38984 0.57199 C -0.39492 0.56551 -0.40065 0.56042 -0.40534 0.55324 C -0.41133 0.54399 -0.4164 0.53334 -0.42161 0.52292 C -0.42409 0.51806 -0.42656 0.5132 -0.42877 0.50787 C -0.43463 0.49399 -0.43854 0.48403 -0.44219 0.46899 C -0.4431 0.46528 -0.44362 0.46135 -0.44427 0.45764 C -0.44531 0.4301 -0.44596 0.43774 -0.4414 0.40463 C -0.44114 0.40232 -0.43867 0.39862 -0.43789 0.39723 C -0.43633 0.39885 -0.43463 0.40047 -0.43294 0.40232 C -0.42708 0.40903 -0.42669 0.41505 -0.42161 0.42871 C -0.42005 0.43287 -0.41289 0.45232 -0.41028 0.46135 C -0.4082 0.46875 -0.40625 0.47662 -0.4039 0.48403 C -0.40286 0.4875 -0.40143 0.49051 -0.40039 0.49399 C -0.39818 0.50139 -0.39622 0.50926 -0.39401 0.51667 C -0.39323 0.51968 -0.39193 0.52246 -0.39127 0.52547 C -0.38984 0.53195 -0.38893 0.53889 -0.38763 0.54561 C -0.38789 0.55996 -0.38776 0.57408 -0.38841 0.58843 C -0.38854 0.59144 -0.38919 0.59445 -0.38984 0.59723 C -0.3901 0.59862 -0.39297 0.61019 -0.39401 0.61366 C -0.4 0.63195 -0.39596 0.62061 -0.4026 0.63357 C -0.40351 0.63565 -0.4043 0.6382 -0.40534 0.64005 C -0.40599 0.64098 -0.4112 0.64561 -0.41172 0.64746 C -0.41211 0.64862 -0.41028 0.64676 -0.40963 0.6463 C -0.39153 0.59977 -0.4125 0.65487 -0.37708 0.54699 C -0.36888 0.52176 -0.36041 0.49699 -0.35156 0.47269 C -0.34114 0.44375 -0.32969 0.41598 -0.31901 0.38704 C -0.2668 0.24537 -0.28411 0.28681 -0.23268 0.14676 C -0.2164 0.10255 -0.19935 0.05926 -0.1832 0.01482 C -0.08893 -0.2456 -0.18672 0.01112 -0.08763 -0.24907 C -0.07396 -0.28541 -0.06146 -0.32338 -0.04596 -0.3574 L -0.00989 -0.43657 C 0.03893 -0.43588 0.07917 -0.4831 0.07149 -0.42916 C 0.07136 -0.42777 0.0711 -0.42662 0.07084 -0.42523 C 0.07057 -0.42245 0.07044 -0.41944 0.07018 -0.41643 C 0.06992 -0.41481 0.06953 -0.41319 0.0694 -0.41134 C 0.0681 -0.39814 0.0694 -0.40717 0.06797 -0.39513 C 0.06758 -0.3912 0.06706 -0.3875 0.06654 -0.38379 C 0.06615 -0.37569 0.06563 -0.36782 0.06511 -0.35995 C 0.06367 -0.33263 0.06524 -0.35555 0.0638 -0.33472 C 0.06341 -0.32384 0.06302 -0.30949 0.06237 -0.29814 C 0.06198 -0.29143 0.06146 -0.28472 0.06094 -0.27801 C 0.06146 -0.24838 0.06172 -0.21851 0.06237 -0.18912 C 0.06419 -0.09213 0.06302 -0.16018 0.06445 -0.10972 C 0.06472 -0.10046 0.06485 -0.0912 0.06511 -0.08217 C 0.06537 -0.07824 0.06563 -0.07453 0.06589 -0.07083 C 0.06615 -0.06574 0.06641 -0.06064 0.06654 -0.05578 C 0.0668 -0.04907 0.06706 -0.04236 0.06732 -0.03564 C 0.06849 -0.00787 0.06836 -0.01226 0.0694 0.00857 C 0.0694 0.00857 0.07084 0.03866 0.07084 0.03866 L 0.07292 0.05996 C 0.0737 0.07686 0.07396 0.08565 0.07643 0.10417 C 0.07722 0.10926 0.07891 0.12246 0.08008 0.12662 C 0.08972 0.16644 0.08268 0.14051 0.09206 0.16065 C 0.09388 0.16459 0.09518 0.16945 0.09701 0.17338 C 0.10143 0.18287 0.10807 0.19144 0.11393 0.19723 C 0.11654 0.19977 0.11901 0.20255 0.12175 0.20463 C 0.12409 0.20649 0.12643 0.20764 0.12891 0.20857 C 0.13099 0.20926 0.13307 0.20926 0.13516 0.20973 C 0.13646 0.20996 0.13763 0.21065 0.1388 0.21112 C 0.14649 0.20973 0.1543 0.20903 0.16211 0.20718 C 0.16367 0.20695 0.1711 0.19977 0.17136 0.19977 C 0.17318 0.19815 0.17513 0.19746 0.17695 0.19584 C 0.17891 0.19422 0.1806 0.19144 0.18268 0.18959 C 0.18542 0.18727 0.18841 0.18612 0.19115 0.18334 C 0.19271 0.18172 0.1944 0.17987 0.1961 0.17824 C 0.19844 0.17616 0.20091 0.17454 0.20313 0.17199 C 0.20404 0.17107 0.20443 0.16922 0.20521 0.16829 C 0.20664 0.16644 0.20807 0.16482 0.20951 0.1632 C 0.21133 0.16135 0.21341 0.16019 0.21524 0.15811 C 0.21602 0.15718 0.21667 0.15579 0.21732 0.1544 C 0.21875 0.15162 0.21992 0.14815 0.22149 0.14561 C 0.22826 0.13449 0.225 0.14468 0.23008 0.13172 C 0.2306 0.13033 0.23086 0.12824 0.23151 0.12662 C 0.23633 0.11274 0.23998 0.10764 0.24284 0.08889 C 0.24349 0.08426 0.24414 0.07963 0.24492 0.07524 C 0.24544 0.07176 0.24636 0.06852 0.24701 0.06505 C 0.24779 0.06135 0.24831 0.05741 0.24909 0.05371 C 0.25026 0.04908 0.25169 0.04468 0.25274 0.03982 C 0.2543 0.03241 0.25573 0.025 0.2569 0.01737 C 0.25742 0.01436 0.25794 0.01135 0.25834 0.00857 C 0.2586 0.00672 0.26016 -0.00555 0.26042 -0.00902 C 0.26172 -0.02268 0.26055 -0.01342 0.26185 -0.02291 C 0.26094 -0.10347 0.26406 -0.06435 0.25977 -0.09722 C 0.25925 -0.10092 0.25899 -0.10486 0.25834 -0.10856 C 0.25807 -0.11041 0.25729 -0.1118 0.2569 -0.11365 C 0.25586 -0.11805 0.25521 -0.12291 0.25404 -0.12731 C 0.25065 -0.14074 0.24037 -0.16759 0.23711 -0.17384 C 0.2293 -0.18912 0.22227 -0.20532 0.2138 -0.21898 C 0.17917 -0.27569 0.19649 -0.25138 0.15925 -0.29699 C 0.15482 -0.30254 0.15078 -0.30926 0.14584 -0.31342 C 0.13242 -0.32407 0.10781 -0.3456 0.09141 -0.35347 C 0.07643 -0.36088 0.06133 -0.36736 0.0461 -0.37245 C 0.04115 -0.37407 0.0362 -0.37638 0.03125 -0.37754 C 0.00495 -0.38333 -0.00039 -0.38263 -0.02539 -0.38379 L -0.30846 -0.3787 C -0.32031 -0.37847 -0.33203 -0.37569 -0.34388 -0.37361 C -0.37357 -0.36898 -0.40351 -0.36643 -0.43294 -0.35856 C -0.45794 -0.35185 -0.48307 -0.34676 -0.50794 -0.33842 C -0.55117 -0.32407 -0.58502 -0.31435 -0.62903 -0.29074 C -0.65403 -0.27731 -0.67969 -0.26736 -0.7039 -0.25046 C -0.71471 -0.24282 -0.72565 -0.23588 -0.73646 -0.22777 C -0.75872 -0.21134 -0.78411 -0.18611 -0.80286 -0.1625 C -0.81693 -0.1449 -0.83945 -0.10115 -0.84896 -0.07708 C -0.85403 -0.06388 -0.85807 -0.04907 -0.86159 -0.03426 C -0.86406 -0.0243 -0.86484 -0.01319 -0.86667 -0.00277 C -0.86745 0.00186 -0.86849 0.00649 -0.8694 0.01088 C -0.87044 0.02061 -0.87278 0.0301 -0.87226 0.03982 C -0.8694 0.09723 -0.86653 0.15487 -0.8595 0.21112 C -0.8569 0.23195 -0.85 0.25047 -0.84401 0.26899 C -0.82409 0.32917 -0.82331 0.33727 -0.79232 0.39723 C -0.73099 0.51551 -0.75117 0.47987 -0.68138 0.59977 C -0.67018 0.61875 -0.62617 0.69167 -0.61406 0.71042 C -0.6026 0.72848 -0.59062 0.74584 -0.57877 0.7632 C -0.5625 0.78704 -0.5112 0.8632 -0.49245 0.88149 C -0.475 0.89838 -0.4556 0.90741 -0.43724 0.92061 L 0.0737 0.91922 C 0.09805 0.91875 0.1224 0.91366 0.14649 0.90787 C 0.1707 0.90232 0.19479 0.89422 0.21875 0.88519 C 0.25534 0.87153 0.30807 0.84399 0.34401 0.82616 C 0.50209 0.62732 0.37891 0.80324 0.37084 -0.05694 C 0.3707 -0.07662 0.36719 -0.09583 0.36445 -0.11481 C 0.35404 -0.18726 0.34883 -0.2118 0.32839 -0.27939 C 0.3207 -0.30486 0.31276 -0.33032 0.30287 -0.35347 C 0.2905 -0.3831 0.27552 -0.40902 0.26185 -0.43657 L -0.39401 -0.42662 C -0.41875 -0.42523 -0.44258 -0.40926 -0.46627 -0.39629 C -0.51041 -0.37199 -0.55351 -0.33287 -0.59075 -0.28449 C -0.62474 -0.24027 -0.65742 -0.17685 -0.6806 -0.11481 C -0.70976 -0.03703 -0.71667 0.00857 -0.73568 0.09537 C -0.73919 0.13542 -0.74427 0.17547 -0.74635 0.21598 C -0.75 0.28959 -0.7487 0.38403 -0.73919 0.45625 C -0.73424 0.49491 -0.72617 0.53195 -0.71732 0.56829 C -0.69844 0.64607 -0.67109 0.72199 -0.64166 0.78843 C -0.6263 0.82315 -0.61302 0.86343 -0.59219 0.88774 C -0.5737 0.90926 -0.54974 0.90949 -0.52851 0.92061 L 0.2513 0.91042 C 0.27057 0.90973 0.29219 0.90787 0.30781 0.88774 C 0.33464 0.85371 0.3513 0.79977 0.37292 0.75579 C 0.37279 0.66042 0.37565 0.56505 0.37227 0.47014 C 0.37136 0.44329 0.36485 0.41783 0.36029 0.39213 C 0.34922 0.33149 0.33867 0.28542 0.32136 0.22987 C 0.31016 0.19399 0.28216 0.11459 0.26615 0.0801 C 0.24909 0.04375 0.23373 0.00324 0.21237 -0.02546 C 0.20274 -0.03842 0.19323 -0.05208 0.18334 -0.06458 C 0.1582 -0.09583 0.13138 -0.12523 0.1013 -0.13865 C 0.09401 -0.14189 0.08659 -0.14282 0.0793 -0.1449 C 0.06849 -0.14328 0.05755 -0.14328 0.04675 -0.14004 C 0.04206 -0.13865 0.03763 -0.13472 0.03334 -0.13125 C 0.02878 -0.12754 0.00391 -0.10439 -0.00208 -0.09722 C -0.02357 -0.07129 -0.03932 -0.04189 -0.05508 -0.00277 C -0.07057 0.03519 -0.07265 0.0382 -0.08555 0.07894 C -0.08932 0.09074 -0.0931 0.10278 -0.09622 0.11551 C -0.10625 0.15741 -0.10638 0.16366 -0.11172 0.20348 C -0.11276 0.25162 -0.1138 0.25695 -0.10742 0.32037 C -0.10651 0.33056 -0.10364 0.34005 -0.10117 0.34931 C -0.09088 0.38774 -0.0819 0.4169 -0.06146 0.44375 C -0.04974 0.45926 -0.03906 0.47824 -0.02617 0.49028 C -0.01575 0.5 -0.00573 0.51112 0.00508 0.51922 C 0.00781 0.5213 0.01068 0.52362 0.01354 0.52547 C 0.02422 0.53264 0.03203 0.53704 0.04323 0.5419 C 0.04935 0.54445 0.05964 0.54584 0.06511 0.54699 C 0.07435 0.54514 0.0836 0.54399 0.09271 0.5419 C 0.09727 0.54074 0.10117 0.53635 0.10482 0.53172 C 0.10912 0.52639 0.11198 0.52084 0.11472 0.51297 C 0.11576 0.50973 0.11667 0.50625 0.11758 0.50278 C 0.1181 0.5007 0.11862 0.49862 0.11901 0.49653 C 0.11979 0.4919 0.12031 0.48727 0.1211 0.48264 C 0.12018 0.46968 0.1211 0.44491 0.11615 0.42987 C 0.11511 0.42662 0.1125 0.42153 0.11042 0.41991 C 0.10781 0.4176 0.10404 0.4169 0.1013 0.41598 C 0.09349 0.41737 0.08555 0.41737 0.07787 0.41991 C 0.07422 0.42107 0.0707 0.42454 0.06732 0.42732 C 0.04349 0.44723 0.03034 0.45973 0.0086 0.49144 C -0.00247 0.50764 -0.0125 0.51968 -0.02109 0.53936 C -0.02239 0.54237 -0.02305 0.54607 -0.02396 0.54931 C -0.02526 0.56274 -0.02721 0.57616 -0.02396 0.58959 C -0.02122 0.60093 -0.01693 0.61112 -0.01198 0.61991 L 0.00365 0.64746 C 0.00638 0.65255 0.00925 0.65764 0.01211 0.6625 C 0.01445 0.66644 0.01745 0.66922 0.01914 0.67385 C 0.02565 0.6926 0.0237 0.68426 0.0263 0.69792 C 0.02578 0.70116 0.02578 0.70487 0.02487 0.70787 C 0.0237 0.71158 0.01901 0.71737 0.01706 0.71922 C 0.01341 0.72292 0.00964 0.72662 0.00573 0.72917 C 0.00065 0.73287 -0.01211 0.73565 -0.01614 0.73681 C -0.02851 0.73519 -0.04088 0.73496 -0.05299 0.73172 C -0.05677 0.73079 -0.06041 0.72778 -0.06367 0.72431 C -0.06992 0.71737 -0.07565 0.7088 -0.08125 0.70024 C -0.08568 0.69375 -0.08932 0.68496 -0.09114 0.67524 C -0.09297 0.66574 -0.09401 0.65579 -0.09544 0.6463 C -0.09492 0.6169 -0.09609 0.60811 -0.09049 0.58079 C -0.08607 0.55903 -0.0737 0.52408 -0.06719 0.50787 C -0.05794 0.48496 -0.04857 0.4669 -0.03672 0.44885 C -0.03294 0.44283 -0.0289 0.43727 -0.02474 0.43241 C -0.02031 0.42709 -0.00911 0.41528 -0.00273 0.41227 C 0.00117 0.41042 0.00521 0.40973 0.00925 0.40857 C 0.00977 0.40857 0.0263 0.40903 0.03125 0.41343 C 0.03893 0.42061 0.04636 0.42871 0.05391 0.43612 C 0.05807 0.44051 0.06224 0.44514 0.06654 0.44885 C 0.11185 0.48704 0.08151 0.46181 0.10899 0.48403 C 0.11419 0.4882 0.11914 0.49352 0.12461 0.49653 C 0.13008 0.49954 0.13542 0.50301 0.14089 0.50533 C 0.14883 0.5088 0.16172 0.51204 0.16992 0.51412 C 0.18216 0.51297 0.19453 0.51389 0.20664 0.51042 C 0.2125 0.5088 0.21771 0.50348 0.22292 0.49908 C 0.22904 0.49422 0.23659 0.48287 0.24063 0.47524 C 0.24453 0.46783 0.24883 0.46042 0.2513 0.45116 C 0.25964 0.41968 0.25664 0.43473 0.26185 0.39977 C 0.26328 0.39005 0.26537 0.38056 0.26615 0.37084 L 0.26901 0.33311 C 0.26888 0.33056 0.26914 0.28033 0.26615 0.2625 C 0.26563 0.25996 0.26472 0.25764 0.26406 0.2551 C 0.26328 0.25209 0.26263 0.24908 0.26185 0.2463 C 0.26003 0.23959 0.25951 0.23982 0.2569 0.23357 C 0.25638 0.23241 0.25612 0.23102 0.25547 0.22987 C 0.253 0.22454 0.24974 0.22061 0.24636 0.21737 C 0.24492 0.21598 0.24349 0.21459 0.24206 0.21343 C 0.23815 0.21088 0.2362 0.21088 0.23216 0.20973 C 0.23047 0.2088 0.22891 0.20764 0.22722 0.20718 C 0.22344 0.20625 0.20547 0.20487 0.20391 0.20463 L 0.20026 0.20348 C 0.19896 0.20301 0.19753 0.20278 0.1961 0.20232 C 0.19466 0.20162 0.19323 0.20047 0.1918 0.19977 C 0.19089 0.19838 0.18998 0.19723 0.18906 0.19584 C 0.18828 0.19514 0.1875 0.19445 0.18685 0.19329 C 0.18633 0.19237 0.18607 0.19074 0.18542 0.18959 C 0.18412 0.18681 0.18203 0.18449 0.18125 0.18079 C 0.17865 0.16945 0.17865 0.16852 0.17774 0.15949 C 0.17787 0.14144 0.17709 0.12315 0.17839 0.10533 C 0.17904 0.09653 0.18112 0.0882 0.18334 0.0801 C 0.18399 0.07778 0.18451 0.07477 0.18542 0.07269 C 0.1888 0.06505 0.19284 0.0588 0.1961 0.05116 C 0.19675 0.04954 0.19727 0.04769 0.19818 0.0463 C 0.20065 0.04237 0.20664 0.03519 0.20951 0.03241 C 0.21016 0.03172 0.21094 0.03172 0.21159 0.03102 C 0.21328 0.02987 0.21498 0.02871 0.21654 0.02732 C 0.21966 0.02824 0.22279 0.02824 0.22578 0.02987 C 0.22695 0.03056 0.22774 0.03218 0.22865 0.03357 C 0.23112 0.03774 0.2336 0.04167 0.23568 0.0463 C 0.23659 0.04838 0.2375 0.05047 0.23854 0.05255 C 0.23945 0.05417 0.2405 0.05579 0.24141 0.05764 C 0.24193 0.0588 0.24232 0.06019 0.24284 0.06135 C 0.24362 0.06343 0.24479 0.06528 0.24557 0.0676 C 0.24675 0.07061 0.24714 0.07315 0.24779 0.07639 C 0.24727 0.07848 0.24701 0.08079 0.24636 0.08264 C 0.24492 0.08681 0.2431 0.0875 0.24063 0.08889 C 0.23255 0.09399 0.23555 0.0926 0.22656 0.09399 C 0.22162 0.09237 0.21966 0.09468 0.21797 0.08774 C 0.21758 0.08612 0.21758 0.08426 0.21732 0.08264 C 0.21797 0.07477 0.21771 0.06621 0.2194 0.0588 C 0.2207 0.05324 0.22305 0.04838 0.22578 0.04491 C 0.23216 0.03704 0.2319 0.03681 0.23776 0.03102 C 0.23919 0.02987 0.24063 0.02824 0.24206 0.02732 C 0.24597 0.02477 0.24792 0.02454 0.25195 0.02362 C 0.25456 0.02431 0.25742 0.02385 0.25977 0.02616 C 0.26094 0.02709 0.26081 0.03033 0.2612 0.03241 C 0.26172 0.03565 0.26211 0.03912 0.26263 0.04237 C 0.26211 0.05047 0.26172 0.05834 0.2612 0.06644 C 0.26107 0.06806 0.26094 0.06991 0.26042 0.0713 C 0.2599 0.07315 0.25912 0.075 0.25834 0.07639 C 0.25703 0.07894 0.25586 0.07917 0.25404 0.0801 C 0.25339 0.07894 0.25261 0.07778 0.25195 0.07639 C 0.2513 0.075 0.24857 0.0669 0.24844 0.06644 C 0.24479 0.05232 0.24896 0.06389 0.24557 0.0551 C 0.24584 0.05209 0.24531 0.04862 0.24636 0.0463 C 0.24701 0.04445 0.2487 0.04491 0.24987 0.04491 C 0.25274 0.04537 0.25547 0.04653 0.25834 0.04746 C 0.26302 0.05093 0.26432 0.05116 0.26823 0.05764 C 0.26888 0.05857 0.26914 0.05996 0.26966 0.06135 C 0.26901 0.06389 0.26914 0.06829 0.26758 0.06875 C 0.25899 0.07153 0.25222 0.07014 0.24492 0.06505 C 0.24323 0.06389 0.24154 0.0625 0.23998 0.06135 C 0.23347 0.04977 0.23477 0.05579 0.2336 0.04491 C 0.23451 0.04121 0.23529 0.03727 0.23646 0.03357 C 0.23815 0.02848 0.24206 0.02755 0.24492 0.02616 C 0.2461 0.02547 0.25326 0.02385 0.25404 0.02362 C 0.25807 0.02431 0.26211 0.02477 0.26615 0.02616 C 0.26745 0.02662 0.27097 0.03079 0.27175 0.03241 C 0.27318 0.03496 0.27396 0.03936 0.27461 0.04237 C 0.2737 0.04838 0.27331 0.05463 0.27175 0.05996 C 0.2711 0.0625 0.26953 0.06389 0.26823 0.06505 C 0.26745 0.06598 0.26641 0.06621 0.26537 0.06644 C 0.26302 0.0669 0.26068 0.06713 0.25834 0.0676 C 0.25456 0.06644 0.25078 0.06551 0.24701 0.06389 C 0.24453 0.06274 0.24102 0.05811 0.23919 0.0551 C 0.23828 0.05324 0.23698 0.04815 0.23646 0.0463 C 0.23568 0.04074 0.23477 0.0375 0.23646 0.03102 C 0.23672 0.02987 0.23789 0.03033 0.23854 0.02987 C 0.2405 0.02824 0.24141 0.02686 0.24349 0.02616 C 0.24518 0.02547 0.24675 0.02524 0.24844 0.02477 C 0.25104 0.02524 0.25365 0.02524 0.25625 0.02616 C 0.2599 0.02755 0.26237 0.03033 0.26537 0.03357 C 0.26615 0.03449 0.26693 0.03519 0.26758 0.03612 C 0.26953 0.03936 0.27318 0.0463 0.27318 0.0463 C 0.27344 0.04792 0.27435 0.04977 0.27396 0.05116 C 0.27344 0.05301 0.27214 0.05371 0.2711 0.05371 C 0.26849 0.05371 0.26589 0.05209 0.26328 0.05116 C 0.25352 0.04074 0.25807 0.04885 0.25482 0.03866 C 0.25365 0.03519 0.2513 0.02871 0.2513 0.02871 C 0.25156 0.02686 0.2513 0.025 0.25195 0.02362 C 0.25248 0.02246 0.25339 0.02223 0.25404 0.02223 C 0.25834 0.02269 0.26263 0.02408 0.2668 0.02477 C 0.26849 0.02616 0.27044 0.02778 0.27175 0.02987 C 0.27279 0.03149 0.2737 0.03311 0.27461 0.03496 C 0.27487 0.03612 0.275 0.0375 0.27526 0.03866 C 0.27565 0.04005 0.27669 0.04098 0.27669 0.04237 C 0.27695 0.04584 0.27695 0.04954 0.27604 0.05255 C 0.27526 0.05487 0.27188 0.05672 0.27031 0.05764 C 0.26445 0.05718 0.2586 0.05764 0.25274 0.05625 C 0.25091 0.05579 0.24935 0.05394 0.24779 0.05255 C 0.2457 0.0507 0.24206 0.0463 0.24206 0.0463 C 0.24063 0.04237 0.2388 0.04028 0.24414 0.03982 L 0.26263 0.04121 C 0.26641 0.04283 0.26823 0.04352 0.27253 0.04746 C 0.27383 0.04885 0.27487 0.05093 0.27604 0.05255 C 0.2763 0.05371 0.27722 0.05533 0.27669 0.05625 C 0.27617 0.05741 0.27097 0.05949 0.26966 0.05996 C 0.26589 0.05926 0.26198 0.05926 0.25834 0.05764 C 0.25742 0.05718 0.25625 0.05556 0.25625 0.05371 C 0.25625 0.05047 0.25768 0.04792 0.25834 0.04491 C 0.26185 0.04584 0.2655 0.04561 0.26901 0.04746 C 0.2711 0.04862 0.27044 0.05602 0.26966 0.05764 C 0.26862 0.05949 0.26693 0.05973 0.26537 0.05996 C 0.26211 0.06088 0.25886 0.06088 0.25547 0.06135 L 0.23281 0.05996 C 0.23099 0.05996 0.22904 0.05949 0.22722 0.0588 C 0.22552 0.05811 0.2224 0.0551 0.22084 0.05371 C 0.22018 0.05255 0.21927 0.05139 0.21875 0.05 C 0.21797 0.04792 0.21758 0.04329 0.21875 0.04121 C 0.21966 0.03959 0.2211 0.03936 0.22227 0.03866 C 0.22904 0.03426 0.22396 0.0375 0.23073 0.03496 C 0.23151 0.03449 0.2336 0.03357 0.23281 0.03357 C 0.2319 0.03357 0.23099 0.03449 0.23008 0.03496 C 0.21576 0.04769 0.24011 0.02639 0.2237 0.03866 C 0.22188 0.04005 0.22057 0.0426 0.21875 0.04375 C 0.21406 0.04653 0.20938 0.04815 0.20456 0.05 C 0.19362 0.0544 0.20261 0.05093 0.18972 0.0551 C 0.18854 0.05533 0.18737 0.05602 0.1862 0.05625 C 0.18216 0.05695 0.17813 0.05718 0.17409 0.05764 C 0.17357 0.05741 0.15495 0.05996 0.1487 0.05371 C 0.14779 0.05301 0.14727 0.05116 0.14649 0.05 C 0.14636 0.04838 0.14662 0.04584 0.14584 0.04491 C 0.14401 0.0426 0.14167 0.0419 0.13945 0.04121 C 0.13099 0.03866 0.13659 0.04005 0.12253 0.03866 C 0.09727 0.0338 0.11654 0.03704 0.05886 0.03982 C 0.05235 0.04028 0.03529 0.0419 0.02839 0.04237 C -0.01107 0.05162 0.03021 0.04352 -0.04739 0.04491 C -0.04857 0.04491 -0.04974 0.04653 -0.05091 0.04746 C -0.06627 0.06019 -0.05026 0.04676 -0.06367 0.06135 C -0.06588 0.06366 -0.06836 0.06528 -0.0707 0.0676 C -0.07604 0.07315 -0.08086 0.0801 -0.0862 0.08519 C -0.09114 0.08982 -0.09622 0.09422 -0.10117 0.09908 C -0.1056 0.10348 -0.10989 0.10857 -0.11458 0.11297 C -0.12604 0.12338 -0.13789 0.13218 -0.14922 0.14306 C -0.15182 0.14561 -0.1543 0.14838 -0.15703 0.1507 C -0.16289 0.15556 -0.16914 0.15857 -0.17474 0.16436 C -0.17591 0.16574 -0.17695 0.16713 -0.17825 0.16829 C -0.18034 0.16991 -0.18307 0.17107 -0.18528 0.17199 C -0.1862 0.17153 -0.18945 0.16945 -0.19023 0.16945 C -0.20416 0.17061 -0.23203 0.17454 -0.23203 0.17454 C -0.23815 0.17338 -0.24427 0.17246 -0.25039 0.17084 C -0.25534 0.16945 -0.25742 0.16436 -0.26172 0.15949 C -0.26328 0.15764 -0.2651 0.15625 -0.26666 0.1544 C -0.2681 0.15278 -0.26953 0.15093 -0.27096 0.14931 C -0.27226 0.14792 -0.27383 0.14699 -0.27513 0.14561 C -0.27786 0.14283 -0.28294 0.13681 -0.28294 0.13681 " pathEditMode="relative" ptsTypes="AAAAAAAAAAAAAAAAAAAAAAAAAAAAAAAAAAAAAAAAAAAAAAAAAAAAAAAAAAAAAAAAAAAAAAAAAAAAAAAAAAAAAAAAAAAAAAAAAAAAAAAAAAAAAAAAAAAAAAAAAAAAAAAAAAAAAAAAAAAAAAAAAAAAAAAAAAAAAAAAAAAAAAAAAAAAAAAAAAAAAAAAAAAAAAAAAAAAAAAAAAAAAAAAAAAAAAAAAAAAAAAAAAAAAAAAAAAAAAAAAAAAAAAAAAAAAAAAAAAAAAAAAAAAAAAAAAAAAAAAAAAAAAAAAAAAAAAAAAAAAAAAAAAAAAAAAAAAAAAAAAAAAAAAAAAAAAAAAAAAAAAAAAAAAAAAAAAAAAAAAAAAAAAAAAAAAAAAAAAAAAAAAAAAAAAAAAAAAAAAAAAAAAAAAAAAAAAAAAAAAAAAAAAAAAAAAAAAAAAAAAAAAAAAAAAAAAAAAAAAAAAAAAAAAAAAAAAAAAAAAAAAAAAAAAAAAAAAAAAAAAAAAAAAAAAAAAAAAAAAAAAAAAAAAAAAAAAAAAAAAAAAAAAAAAAAAAAAAAAAAAAAAAAAAAAAAAAAAAAAAAAAAAAAAAAAAAAAAAAAAAAAAAAAAAAAAAAAAAAAAAAAAAAAAAAAAAAAAAAAAAAAAAAAAAAAAAAAAAAAAAAAAAAAAAAAAAAAAAAAAAAAAAAAAAAAAAAAAAAAAAAAAAAAAAAAAAAAAAAAAAAAAAAAAAAAAAAAAAAAAAAAAAAAAAAAAAAAAAAAAAAAAAAAAAAAAAAAAAAAAAAAAAAAAAAAAAAAAAAAAAAAAAAAAAAAAAAAAAAAAAAAAAAAAAAAAAAAAAAAAAAAAAAAAAAAAAAAAAAAAAAAAAAAAAAAAAAAAAAAAAAAAAAAAAAAAAAAAAAAAAAAAAAAAAAAAAAAAAAAAAAAAAAAAAAAAAAAAAAAAAAAAAAAAAAAAAAAAAAAAAAAAAAAAAAAAAAAAAAAAAAAAAAAAAAAAAAAAAAAAAAAAAAAAAAAAAAAAAAAAAAAAAAAAAAAAAAAAAAAAAAAAAAAAAAAAAAAAAAAAAAAAAAAAAAAAAAAAAAAAAAAAAAAAAAAAAAAAAAAAAAAAAAAAAAAAAAAAAAAAAAAAAAAAAAAAAAAAAAAAAAAAAAAAAAAAAAAAAAAAAAAAAAAAAAAAAAAAAAAAAAAAAAAA">
+                                      <p:cBhvr>
+                                        <p:cTn id="6" dur="12500" fill="hold"/>
+                                        <p:tgtEl>
+                                          <p:spTgt spid="3"/>
+                                        </p:tgtEl>
+                                        <p:attrNameLst>
+                                          <p:attrName>ppt_x</p:attrName>
+                                          <p:attrName>ppt_y</p:attrName>
+                                        </p:attrNameLst>
+                                      </p:cBhvr>
+                                    </p:animMotion>
+                                  </p:childTnLst>
+                                </p:cTn>
+                              </p:par>
+                            </p:childTnLst>
+                          </p:cTn>
+                        </p:par>
+                      </p:childTnLst>
+                    </p:cTn>
+                  </p:par>
+                </p:childTnLst>
+              </p:cTn>
+              <p:prevCondLst>
+                <p:cond evt="onPrev" delay="0">
+                  <p:tgtEl>
+                    <p:sldTgt/>
+                  </p:tgtEl>
+                </p:cond>
+              </p:prevCondLst>
+              <p:nextCondLst>
+                <p:cond evt="onNext" delay="0">
+                  <p:tgtEl>
+                    <p:sldTgt/>
+                  </p:tgtEl>
+                </p:cond>
+              </p:nextCondLst>
+            </p:seq>
+          </p:childTnLst>
+        </p:cTn>
+      </p:par>
+    </p:tnLst>
+  </p:timing>
+</p:sld>
+</file>
+
+<file path=ppt/slides/slide9.xml><?xml version="1.0" encoding="utf-8"?>
+<p:sld xmlns:a="http://schemas.openxmlformats.org/drawingml/2006/main" xmlns:r="http://schemas.openxmlformats.org/officeDocument/2006/relationships" xmlns:p="http://schemas.openxmlformats.org/presentationml/2006/main">
+  <p:cSld>
+    <p:spTree>
+      <p:nvGrpSpPr>
+        <p:cNvPr id="1" name=""/>
+        <p:cNvGrpSpPr/>
+        <p:nvPr/>
+      </p:nvGrpSpPr>
+      <p:grpSpPr>
+        <a:xfrm>
+          <a:off x="0" y="0"/>
+          <a:ext cx="0" cy="0"/>
+          <a:chOff x="0" y="0"/>
+          <a:chExt cx="0" cy="0"/>
+        </a:xfrm>
+      </p:grpSpPr>
+      <p:pic>
+        <p:nvPicPr>
+          <p:cNvPr id="2" name="Picture 1">
+            <a:extLst>
+              <a:ext uri="{FF2B5EF4-FFF2-40B4-BE49-F238E27FC236}">
+                <a16:creationId xmlns:a16="http://schemas.microsoft.com/office/drawing/2014/main" id="{441F2F8A-28C6-43BE-82D4-1FC5677FAF8C}"/>
+              </a:ext>
+            </a:extLst>
+          </p:cNvPr>
+          <p:cNvPicPr>
+            <a:picLocks noChangeAspect="1"/>
+          </p:cNvPicPr>
+          <p:nvPr/>
+        </p:nvPicPr>
+        <p:blipFill>
+          <a:blip r:embed="rId2"/>
+          <a:stretch>
+            <a:fillRect/>
+          </a:stretch>
+        </p:blipFill>
+        <p:spPr>
+          <a:xfrm>
+            <a:off x="5424394" y="2871709"/>
+            <a:ext cx="1343212" cy="1114581"/>
+          </a:xfrm>
+          <a:prstGeom prst="rect">
+            <a:avLst/>
+          </a:prstGeom>
+        </p:spPr>
+      </p:pic>
+      <mc:AlternateContent xmlns:mc="http://schemas.openxmlformats.org/markup-compatibility/2006">
+        <mc:Choice xmlns:am3d="http://schemas.microsoft.com/office/drawing/2017/model3d" Requires="am3d">
+          <p:graphicFrame>
+            <p:nvGraphicFramePr>
+              <p:cNvPr id="3" name="3D Model 2" descr="Red Multiplication sign">
+                <a:extLst>
+                  <a:ext uri="{FF2B5EF4-FFF2-40B4-BE49-F238E27FC236}">
+                    <a16:creationId xmlns:a16="http://schemas.microsoft.com/office/drawing/2014/main" id="{9346D7A2-D06E-4917-81DE-5CC8C2768B39}"/>
+                  </a:ext>
+                </a:extLst>
+              </p:cNvPr>
+              <p:cNvGraphicFramePr>
+                <a:graphicFrameLocks noChangeAspect="1"/>
+              </p:cNvGraphicFramePr>
+              <p:nvPr>
+                <p:extLst>
+                  <p:ext uri="{D42A27DB-BD31-4B8C-83A1-F6EECF244321}">
+                    <p14:modId xmlns:p14="http://schemas.microsoft.com/office/powerpoint/2010/main" val="662519280"/>
+                  </p:ext>
+                </p:extLst>
+              </p:nvPr>
+            </p:nvGraphicFramePr>
+            <p:xfrm>
+              <a:off x="7632924" y="1067263"/>
+              <a:ext cx="3614816" cy="3608891"/>
+            </p:xfrm>
+            <a:graphic>
+              <a:graphicData uri="http://schemas.microsoft.com/office/drawing/2017/model3d">
+                <am3d:model3d r:embed="rId3">
+                  <am3d:spPr>
+                    <a:xfrm>
+                      <a:off x="0" y="0"/>
+                      <a:ext cx="3614816" cy="3608891"/>
+                    </a:xfrm>
+                    <a:prstGeom prst="rect">
+                      <a:avLst/>
+                    </a:prstGeom>
+                  </am3d:spPr>
+                  <am3d:camera>
+                    <am3d:pos x="0" y="0" z="66569573"/>
+                    <am3d:up dx="0" dy="36000000" dz="0"/>
+                    <am3d:lookAt x="0" y="0" z="0"/>
+                    <am3d:perspective fov="2700000"/>
+                  </am3d:camera>
+                  <am3d:trans>
+                    <am3d:meterPerModelUnit n="3567641" d="1000000"/>
+                    <am3d:preTrans dx="-6" dy="-17961074" dz="1699"/>
+                    <am3d:scale>
+                      <am3d:sx n="1000000" d="1000000"/>
+                      <am3d:sy n="1000000" d="1000000"/>
+                      <am3d:sz n="1000000" d="1000000"/>
+                    </am3d:scale>
+                    <am3d:rot/>
+                    <am3d:postTrans dx="0" dy="0" dz="0"/>
+                  </am3d:trans>
+                  <am3d:raster rName="Office3DRenderer" rVer="16.0.8326">
+                    <am3d:blip r:embed="rId4"/>
+                  </am3d:raster>
+                  <am3d:objViewport viewportSz="5418667"/>
+                  <am3d:ambientLight>
+                    <am3d:clr>
+                      <a:scrgbClr r="50000" g="50000" b="50000"/>
+                    </am3d:clr>
+                    <am3d:illuminance n="500000" d="1000000"/>
+                  </am3d:ambientLight>
+                  <am3d:ptLight rad="0">
+                    <am3d:clr>
+                      <a:scrgbClr r="100000" g="75000" b="50000"/>
+                    </am3d:clr>
+                    <am3d:intensity n="9765625" d="1000000"/>
+                    <am3d:pos x="21959998" y="70920001" z="16344003"/>
+                  </am3d:ptLight>
+                  <am3d:ptLight rad="0">
+                    <am3d:clr>
+                      <a:scrgbClr r="40000" g="60000" b="95000"/>
+                    </am3d:clr>
+                    <am3d:intensity n="12250000" d="1000000"/>
+                    <am3d:pos x="-37964106" y="51130435" z="57631972"/>
+                  </am3d:ptLight>
+                  <am3d:ptLight rad="0">
+                    <am3d:clr>
+                      <a:scrgbClr r="86837" g="72700" b="100000"/>
+                    </am3d:clr>
+                    <am3d:intensity n="3125000" d="1000000"/>
+                    <am3d:pos x="-37739122" y="58056624" z="-34769649"/>
+                  </am3d:ptLight>
+                </am3d:model3d>
+              </a:graphicData>
+            </a:graphic>
+          </p:graphicFrame>
+        </mc:Choice>
+        <mc:Fallback>
+          <p:pic>
+            <p:nvPicPr>
+              <p:cNvPr id="3" name="3D Model 2" descr="Red Multiplication sign">
+                <a:extLst>
+                  <a:ext uri="{FF2B5EF4-FFF2-40B4-BE49-F238E27FC236}">
+                    <a16:creationId xmlns:a16="http://schemas.microsoft.com/office/drawing/2014/main" id="{9346D7A2-D06E-4917-81DE-5CC8C2768B39}"/>
+                  </a:ext>
+                </a:extLst>
+              </p:cNvPr>
+              <p:cNvPicPr>
+                <a:picLocks noGrp="1" noRot="1" noChangeAspect="1" noMove="1" noResize="1" noEditPoints="1" noAdjustHandles="1" noChangeArrowheads="1" noChangeShapeType="1" noCrop="1"/>
+              </p:cNvPicPr>
+              <p:nvPr/>
+            </p:nvPicPr>
+            <p:blipFill>
+              <a:blip r:embed="rId4"/>
+              <a:stretch>
+                <a:fillRect/>
+              </a:stretch>
+            </p:blipFill>
+            <p:spPr>
+              <a:xfrm>
+                <a:off x="7632924" y="1067263"/>
+                <a:ext cx="3614816" cy="3608891"/>
+              </a:xfrm>
+              <a:prstGeom prst="rect">
+                <a:avLst/>
+              </a:prstGeom>
+            </p:spPr>
+          </p:pic>
+        </mc:Fallback>
+      </mc:AlternateContent>
+      <p:sp>
+        <p:nvSpPr>
+          <p:cNvPr id="4" name="TextBox 3">
+            <a:extLst>
+              <a:ext uri="{FF2B5EF4-FFF2-40B4-BE49-F238E27FC236}">
+                <a16:creationId xmlns:a16="http://schemas.microsoft.com/office/drawing/2014/main" id="{1315AC85-0F5E-451A-84F8-159C376F8577}"/>
+              </a:ext>
+            </a:extLst>
+          </p:cNvPr>
+          <p:cNvSpPr txBox="1"/>
+          <p:nvPr/>
+        </p:nvSpPr>
+        <p:spPr>
+          <a:xfrm>
+            <a:off x="1794933" y="2277533"/>
+            <a:ext cx="2843984" cy="369332"/>
+          </a:xfrm>
+          <a:prstGeom prst="rect">
+            <a:avLst/>
+          </a:prstGeom>
+          <a:noFill/>
+        </p:spPr>
+        <p:txBody>
+          <a:bodyPr wrap="none" rtlCol="0">
+            <a:spAutoFit/>
+          </a:bodyPr>
+          <a:lstStyle/>
+          <a:p>
+            <a:r>
+              <a:rPr lang="en-US" dirty="0"/>
+              <a:t>You lost the thing </a:t>
+            </a:r>
+            <a:r>
+              <a:rPr lang="en-US" dirty="0" err="1"/>
+              <a:t>tyr</a:t>
+            </a:r>
+            <a:r>
+              <a:rPr lang="en-US" dirty="0"/>
+              <a:t> again </a:t>
+            </a:r>
+          </a:p>
+        </p:txBody>
+      </p:sp>
+      <p:sp>
+        <p:nvSpPr>
+          <p:cNvPr id="6" name="Action Button: Go Back or Previous 5">
+            <a:hlinkClick r:id="rId5" action="ppaction://hlinksldjump" highlightClick="1"/>
+            <a:extLst>
+              <a:ext uri="{FF2B5EF4-FFF2-40B4-BE49-F238E27FC236}">
+                <a16:creationId xmlns:a16="http://schemas.microsoft.com/office/drawing/2014/main" id="{4B95B54F-E11F-49F1-A273-BA02DE8E9116}"/>
+              </a:ext>
+            </a:extLst>
+          </p:cNvPr>
+          <p:cNvSpPr/>
+          <p:nvPr/>
+        </p:nvSpPr>
+        <p:spPr>
+          <a:xfrm>
+            <a:off x="-1" y="3986290"/>
+            <a:ext cx="2946401" cy="2871710"/>
+          </a:xfrm>
+          <a:prstGeom prst="actionButtonBackPrevious">
+            <a:avLst/>
+          </a:prstGeom>
+        </p:spPr>
+        <p:style>
+          <a:lnRef idx="2">
+            <a:schemeClr val="dk1">
+              <a:shade val="50000"/>
+            </a:schemeClr>
+          </a:lnRef>
+          <a:fillRef idx="1">
+            <a:schemeClr val="dk1"/>
+          </a:fillRef>
+          <a:effectRef idx="0">
+            <a:schemeClr val="dk1"/>
+          </a:effectRef>
+          <a:fontRef idx="minor">
+            <a:schemeClr val="lt1"/>
+          </a:fontRef>
+        </p:style>
+        <p:txBody>
+          <a:bodyPr rtlCol="0" anchor="ctr"/>
+          <a:lstStyle/>
+          <a:p>
+            <a:pPr algn="ctr"/>
+            <a:r>
+              <a:rPr lang="en-US" sz="3200" dirty="0">
+                <a:solidFill>
+                  <a:schemeClr val="bg1"/>
+                </a:solidFill>
+              </a:rPr>
+              <a:t>Click to go back</a:t>
+            </a:r>
+          </a:p>
+        </p:txBody>
+      </p:sp>
+    </p:spTree>
+    <p:extLst>
+      <p:ext uri="{BB962C8B-B14F-4D97-AF65-F5344CB8AC3E}">
+        <p14:creationId xmlns:p14="http://schemas.microsoft.com/office/powerpoint/2010/main" val="3998450483"/>
+      </p:ext>
+    </p:extLst>
+  </p:cSld>
+  <p:clrMapOvr>
+    <a:masterClrMapping/>
+  </p:clrMapOvr>
+  <mc:AlternateContent xmlns:mc="http://schemas.openxmlformats.org/markup-compatibility/2006">
+    <mc:Choice xmlns:p15="http://schemas.microsoft.com/office/powerpoint/2012/main" Requires="p15">
+      <p:transition xmlns:p14="http://schemas.microsoft.com/office/powerpoint/2010/main" spd="slow" p14:dur="6000">
+        <p15:prstTrans prst="curtains"/>
+      </p:transition>
+    </mc:Choice>
+    <mc:Fallback>
+      <p:transition spd="slow">
+        <p:fade/>
+      </p:transition>
+    </mc:Fallback>
+  </mc:AlternateContent>
+  <p:timing>
+    <p:tnLst>
+      <p:par>
+        <p:cTn id="1" dur="indefinite" restart="never" nodeType="tmRoot">
+          <p:childTnLst>
+            <p:seq concurrent="1" nextAc="seek">
+              <p:cTn id="2" dur="indefinite" nodeType="mainSeq">
+                <p:childTnLst>
+                  <p:par>
+                    <p:cTn id="3" fill="hold">
+                      <p:stCondLst>
+                        <p:cond delay="indefinite"/>
+                        <p:cond evt="onBegin" delay="0">
+                          <p:tn val="2"/>
+                        </p:cond>
+                      </p:stCondLst>
+                      <p:childTnLst>
+                        <p:par>
+                          <p:cTn id="4" fill="hold">
+                            <p:stCondLst>
+                              <p:cond delay="0"/>
+                            </p:stCondLst>
+                            <p:childTnLst>
+                              <p:par>
+                                <p:cTn id="5" presetID="60" presetClass="entr" presetSubtype="128" fill="hold" nodeType="withEffect">
+                                  <p:stCondLst>
+                                    <p:cond delay="0"/>
+                                  </p:stCondLst>
+                                  <p:childTnLst>
+                                    <p:set>
+                                      <p:cBhvr>
+                                        <p:cTn id="6" dur="1" fill="hold">
+                                          <p:stCondLst>
+                                            <p:cond delay="0"/>
+                                          </p:stCondLst>
+                                        </p:cTn>
+                                        <p:tgtEl>
+                                          <p:spTgt spid="3"/>
+                                        </p:tgtEl>
+                                        <p:attrNameLst>
+                                          <p:attrName>style.visibility</p:attrName>
+                                        </p:attrNameLst>
+                                      </p:cBhvr>
+                                      <p:to>
+                                        <p:strVal val="visible"/>
+                                      </p:to>
+                                    </p:set>
+                                    <p:animEffect transition="in" filter="fade">
+                                      <p:cBhvr>
+                                        <p:cTn id="7" dur="1000"/>
+                                        <p:tgtEl>
+                                          <p:spTgt spid="3"/>
+                                        </p:tgtEl>
+                                      </p:cBhvr>
+                                    </p:animEffect>
+                                    <p:anim calcmode="lin" valueType="num">
+                                      <p:cBhvr additive="sum">
+                                        <p:cTn id="8" dur="1000" fill="hold"/>
+                                        <p:tgtEl>
+                                          <p:spTgt spid="3"/>
+                                        </p:tgtEl>
+                                        <p:attrNameLst>
+                                          <p:attrName>3d.view.rotation.y</p:attrName>
+                                        </p:attrNameLst>
+                                      </p:cBhvr>
+                                      <p:tavLst>
+                                        <p:tav tm="0">
+                                          <p:val>
+                                            <p:fltVal val="-40"/>
+                                          </p:val>
+                                        </p:tav>
+                                        <p:tav tm="3330">
+                                          <p:val>
+                                            <p:fltVal val="-39.8698"/>
+                                          </p:val>
+                                        </p:tav>
+                                        <p:tav tm="6660">
+                                          <p:val>
+                                            <p:fltVal val="-39.4913"/>
+                                          </p:val>
+                                        </p:tav>
+                                        <p:tav tm="9990">
+                                          <p:val>
+                                            <p:fltVal val="-38.8821"/>
+                                          </p:val>
+                                        </p:tav>
+                                        <p:tav tm="13320">
+                                          <p:val>
+                                            <p:fltVal val="-38.0599"/>
+                                          </p:val>
+                                        </p:tav>
+                                        <p:tav tm="16650">
+                                          <p:val>
+                                            <p:fltVal val="-37.0425"/>
+                                          </p:val>
+                                        </p:tav>
+                                        <p:tav tm="19970">
+                                          <p:val>
+                                            <p:fltVal val="-35.8515"/>
+                                          </p:val>
+                                        </p:tav>
+                                        <p:tav tm="23290">
+                                          <p:val>
+                                            <p:fltVal val="-34.5015"/>
+                                          </p:val>
+                                        </p:tav>
+                                        <p:tav tm="26620">
+                                          <p:val>
+                                            <p:fltVal val="-33.0055"/>
+                                          </p:val>
+                                        </p:tav>
+                                        <p:tav tm="29950">
+                                          <p:val>
+                                            <p:fltVal val="-31.3851"/>
+                                          </p:val>
+                                        </p:tav>
+                                        <p:tav tm="33280">
+                                          <p:val>
+                                            <p:fltVal val="-29.658"/>
+                                          </p:val>
+                                        </p:tav>
+                                        <p:tav tm="36610">
+                                          <p:val>
+                                            <p:fltVal val="-27.8419"/>
+                                          </p:val>
+                                        </p:tav>
+                                        <p:tav tm="39940">
+                                          <p:val>
+                                            <p:fltVal val="-25.9545"/>
+                                          </p:val>
+                                        </p:tav>
+                                        <p:tav tm="43270">
+                                          <p:val>
+                                            <p:fltVal val="-24.0136"/>
+                                          </p:val>
+                                        </p:tav>
+                                        <p:tav tm="46600">
+                                          <p:val>
+                                            <p:fltVal val="-22.0368"/>
+                                          </p:val>
+                                        </p:tav>
+                                        <p:tav tm="49930">
+                                          <p:val>
+                                            <p:fltVal val="-20.0419"/>
+                                          </p:val>
+                                        </p:tav>
+                                        <p:tav tm="53250">
+                                          <p:val>
+                                            <p:fltVal val="-18.0527"/>
+                                          </p:val>
+                                        </p:tav>
+                                        <p:tav tm="56580">
+                                          <p:val>
+                                            <p:fltVal val="-16.0747"/>
+                                          </p:val>
+                                        </p:tav>
+                                        <p:tav tm="59900">
+                                          <p:val>
+                                            <p:fltVal val="-14.1376"/>
+                                          </p:val>
+                                        </p:tav>
+                                        <p:tav tm="63220">
+                                          <p:val>
+                                            <p:fltVal val="-12.2528"/>
+                                          </p:val>
+                                        </p:tav>
+                                        <p:tav tm="66540">
+                                          <p:val>
+                                            <p:fltVal val="-10.4379"/>
+                                          </p:val>
+                                        </p:tav>
+                                        <p:tav tm="69870">
+                                          <p:val>
+                                            <p:fltVal val="-8.7056"/>
+                                          </p:val>
+                                        </p:tav>
+                                        <p:tav tm="73190">
+                                          <p:val>
+                                            <p:fltVal val="-7.0836"/>
+                                          </p:val>
+                                        </p:tav>
+                                        <p:tav tm="76510">
+                                          <p:val>
+                                            <p:fltVal val="-5.5844"/>
+                                          </p:val>
+                                        </p:tav>
+                                        <p:tav tm="79830">
+                                          <p:val>
+                                            <p:fltVal val="-4.2254"/>
+                                          </p:val>
+                                        </p:tav>
+                                        <p:tav tm="83160">
+                                          <p:val>
+                                            <p:fltVal val="-3.0209"/>
+                                          </p:val>
+                                        </p:tav>
+                                        <p:tav tm="86480">
+                                          <p:val>
+                                            <p:fltVal val="-1.9957"/>
+                                          </p:val>
+                                        </p:tav>
+                                        <p:tav tm="89800">
+                                          <p:val>
+                                            <p:fltVal val="-1.1635"/>
+                                          </p:val>
+                                        </p:tav>
+                                        <p:tav tm="93120">
+                                          <p:val>
+                                            <p:fltVal val="-0.5419"/>
+                                          </p:val>
+                                        </p:tav>
+                                        <p:tav tm="96450">
+                                          <p:val>
+                                            <p:fltVal val="-0.1476"/>
+                                          </p:val>
+                                        </p:tav>
+                                        <p:tav tm="100000">
+                                          <p:val>
+                                            <p:fltVal val="0"/>
+                                          </p:val>
+                                        </p:tav>
+                                      </p:tavLst>
+                                    </p:anim>
+                                    <p:anim calcmode="lin" valueType="num">
+                                      <p:cBhvr additive="mult">
+                                        <p:cTn id="9" dur="1000" fill="hold"/>
+                                        <p:tgtEl>
+                                          <p:spTgt spid="3"/>
+                                        </p:tgtEl>
+                                        <p:attrNameLst>
+                                          <p:attrName>3d.object.scale.x</p:attrName>
+                                        </p:attrNameLst>
+                                      </p:cBhvr>
+                                      <p:tavLst>
+                                        <p:tav tm="0">
+                                          <p:val>
+                                            <p:fltVal val="0.8"/>
+                                          </p:val>
+                                        </p:tav>
+                                        <p:tav tm="3330">
+                                          <p:val>
+                                            <p:fltVal val="0.8104"/>
+                                          </p:val>
+                                        </p:tav>
+                                        <p:tav tm="6660">
+                                          <p:val>
+                                            <p:fltVal val="0.8208"/>
+                                          </p:val>
+                                        </p:tav>
+                                        <p:tav tm="9990">
+                                          <p:val>
+                                            <p:fltVal val="0.8312"/>
+                                          </p:val>
+                                        </p:tav>
+                                        <p:tav tm="13320">
+                                          <p:val>
+                                            <p:fltVal val="0.8415"/>
+                                          </p:val>
+                                        </p:tav>
+                                        <p:tav tm="16650">
+                                          <p:val>
+                                            <p:fltVal val="0.8517"/>
+                                          </p:val>
+                                        </p:tav>
+                                        <p:tav tm="19970">
+                                          <p:val>
+                                            <p:fltVal val="0.8617"/>
+                                          </p:val>
+                                        </p:tav>
+                                        <p:tav tm="23290">
+                                          <p:val>
+                                            <p:fltVal val="0.8715"/>
+                                          </p:val>
+                                        </p:tav>
+                                        <p:tav tm="26620">
+                                          <p:val>
+                                            <p:fltVal val="0.8812"/>
+                                          </p:val>
+                                        </p:tav>
+                                        <p:tav tm="29950">
+                                          <p:val>
+                                            <p:fltVal val="0.8906"/>
+                                          </p:val>
+                                        </p:tav>
+                                        <p:tav tm="33280">
+                                          <p:val>
+                                            <p:fltVal val="0.8998"/>
+                                          </p:val>
+                                        </p:tav>
+                                        <p:tav tm="36610">
+                                          <p:val>
+                                            <p:fltVal val="0.9087"/>
+                                          </p:val>
+                                        </p:tav>
+                                        <p:tav tm="39940">
+                                          <p:val>
+                                            <p:fltVal val="0.9174"/>
+                                          </p:val>
+                                        </p:tav>
+                                        <p:tav tm="43270">
+                                          <p:val>
+                                            <p:fltVal val="0.9257"/>
+                                          </p:val>
+                                        </p:tav>
+                                        <p:tav tm="46600">
+                                          <p:val>
+                                            <p:fltVal val="0.9336"/>
+                                          </p:val>
+                                        </p:tav>
+                                        <p:tav tm="49930">
+                                          <p:val>
+                                            <p:fltVal val="0.9412"/>
+                                          </p:val>
+                                        </p:tav>
+                                        <p:tav tm="53250">
+                                          <p:val>
+                                            <p:fltVal val="0.9484"/>
+                                          </p:val>
+                                        </p:tav>
+                                        <p:tav tm="56580">
+                                          <p:val>
+                                            <p:fltVal val="0.9552"/>
+                                          </p:val>
+                                        </p:tav>
+                                        <p:tav tm="59900">
+                                          <p:val>
+                                            <p:fltVal val="0.9616"/>
+                                          </p:val>
+                                        </p:tav>
+                                        <p:tav tm="63220">
+                                          <p:val>
+                                            <p:fltVal val="0.9675"/>
+                                          </p:val>
+                                        </p:tav>
+                                        <p:tav tm="66540">
+                                          <p:val>
+                                            <p:fltVal val="0.973"/>
+                                          </p:val>
+                                        </p:tav>
+                                        <p:tav tm="69870">
+                                          <p:val>
+                                            <p:fltVal val="0.978"/>
+                                          </p:val>
+                                        </p:tav>
+                                        <p:tav tm="73190">
+                                          <p:val>
+                                            <p:fltVal val="0.9825"/>
+                                          </p:val>
+                                        </p:tav>
+                                        <p:tav tm="76510">
+                                          <p:val>
+                                            <p:fltVal val="0.9865"/>
+                                          </p:val>
+                                        </p:tav>
+                                        <p:tav tm="79830">
+                                          <p:val>
+                                            <p:fltVal val="0.99"/>
+                                          </p:val>
+                                        </p:tav>
+                                        <p:tav tm="83160">
+                                          <p:val>
+                                            <p:fltVal val="0.993"/>
+                                          </p:val>
+                                        </p:tav>
+                                        <p:tav tm="86480">
+                                          <p:val>
+                                            <p:fltVal val="0.9955"/>
+                                          </p:val>
+                                        </p:tav>
+                                        <p:tav tm="89800">
+                                          <p:val>
+                                            <p:fltVal val="0.9974"/>
+                                          </p:val>
+                                        </p:tav>
+                                        <p:tav tm="93120">
+                                          <p:val>
+                                            <p:fltVal val="0.9988"/>
+                                          </p:val>
+                                        </p:tav>
+                                        <p:tav tm="96450">
+                                          <p:val>
+                                            <p:fltVal val="0.9996"/>
+                                          </p:val>
+                                        </p:tav>
+                                        <p:tav tm="100000">
+                                          <p:val>
+                                            <p:fltVal val="1"/>
+                                          </p:val>
+                                        </p:tav>
+                                      </p:tavLst>
+                                    </p:anim>
+                                    <p:anim calcmode="lin" valueType="num">
+                                      <p:cBhvr additive="mult">
+                                        <p:cTn id="10" dur="1000" fill="hold"/>
+                                        <p:tgtEl>
+                                          <p:spTgt spid="3"/>
+                                        </p:tgtEl>
+                                        <p:attrNameLst>
+                                          <p:attrName>3d.object.scale.y</p:attrName>
+                                        </p:attrNameLst>
+                                      </p:cBhvr>
+                                      <p:tavLst>
+                                        <p:tav tm="0">
+                                          <p:val>
+                                            <p:fltVal val="0.8"/>
+                                          </p:val>
+                                        </p:tav>
+                                        <p:tav tm="3330">
+                                          <p:val>
+                                            <p:fltVal val="0.8104"/>
+                                          </p:val>
+                                        </p:tav>
+                                        <p:tav tm="6660">
+                                          <p:val>
+                                            <p:fltVal val="0.8208"/>
+                                          </p:val>
+                                        </p:tav>
+                                        <p:tav tm="9990">
+                                          <p:val>
+                                            <p:fltVal val="0.8312"/>
+                                          </p:val>
+                                        </p:tav>
+                                        <p:tav tm="13320">
+                                          <p:val>
+                                            <p:fltVal val="0.8415"/>
+                                          </p:val>
+                                        </p:tav>
+                                        <p:tav tm="16650">
+                                          <p:val>
+                                            <p:fltVal val="0.8517"/>
+                                          </p:val>
+                                        </p:tav>
+                                        <p:tav tm="19970">
+                                          <p:val>
+                                            <p:fltVal val="0.8617"/>
+                                          </p:val>
+                                        </p:tav>
+                                        <p:tav tm="23290">
+                                          <p:val>
+                                            <p:fltVal val="0.8715"/>
+                                          </p:val>
+                                        </p:tav>
+                                        <p:tav tm="26620">
+                                          <p:val>
+                                            <p:fltVal val="0.8812"/>
+                                          </p:val>
+                                        </p:tav>
+                                        <p:tav tm="29950">
+                                          <p:val>
+                                            <p:fltVal val="0.8906"/>
+                                          </p:val>
+                                        </p:tav>
+                                        <p:tav tm="33280">
+                                          <p:val>
+                                            <p:fltVal val="0.8998"/>
+                                          </p:val>
+                                        </p:tav>
+                                        <p:tav tm="36610">
+                                          <p:val>
+                                            <p:fltVal val="0.9087"/>
+                                          </p:val>
+                                        </p:tav>
+                                        <p:tav tm="39940">
+                                          <p:val>
+                                            <p:fltVal val="0.9174"/>
+                                          </p:val>
+                                        </p:tav>
+                                        <p:tav tm="43270">
+                                          <p:val>
+                                            <p:fltVal val="0.9257"/>
+                                          </p:val>
+                                        </p:tav>
+                                        <p:tav tm="46600">
+                                          <p:val>
+                                            <p:fltVal val="0.9336"/>
+                                          </p:val>
+                                        </p:tav>
+                                        <p:tav tm="49930">
+                                          <p:val>
+                                            <p:fltVal val="0.9412"/>
+                                          </p:val>
+                                        </p:tav>
+                                        <p:tav tm="53250">
+                                          <p:val>
+                                            <p:fltVal val="0.9484"/>
+                                          </p:val>
+                                        </p:tav>
+                                        <p:tav tm="56580">
+                                          <p:val>
+                                            <p:fltVal val="0.9552"/>
+                                          </p:val>
+                                        </p:tav>
+                                        <p:tav tm="59900">
+                                          <p:val>
+                                            <p:fltVal val="0.9616"/>
+                                          </p:val>
+                                        </p:tav>
+                                        <p:tav tm="63220">
+                                          <p:val>
+                                            <p:fltVal val="0.9675"/>
+                                          </p:val>
+                                        </p:tav>
+                                        <p:tav tm="66540">
+                                          <p:val>
+                                            <p:fltVal val="0.973"/>
+                                          </p:val>
+                                        </p:tav>
+                                        <p:tav tm="69870">
+                                          <p:val>
+                                            <p:fltVal val="0.978"/>
+                                          </p:val>
+                                        </p:tav>
+                                        <p:tav tm="73190">
+                                          <p:val>
+                                            <p:fltVal val="0.9825"/>
+                                          </p:val>
+                                        </p:tav>
+                                        <p:tav tm="76510">
+                                          <p:val>
+                                            <p:fltVal val="0.9865"/>
+                                          </p:val>
+                                        </p:tav>
+                                        <p:tav tm="79830">
+                                          <p:val>
+                                            <p:fltVal val="0.99"/>
+                                          </p:val>
+                                        </p:tav>
+                                        <p:tav tm="83160">
+                                          <p:val>
+                                            <p:fltVal val="0.993"/>
+                                          </p:val>
+                                        </p:tav>
+                                        <p:tav tm="86480">
+                                          <p:val>
+                                            <p:fltVal val="0.9955"/>
+                                          </p:val>
+                                        </p:tav>
+                                        <p:tav tm="89800">
+                                          <p:val>
+                                            <p:fltVal val="0.9974"/>
+                                          </p:val>
+                                        </p:tav>
+                                        <p:tav tm="93120">
+                                          <p:val>
+                                            <p:fltVal val="0.9988"/>
+                                          </p:val>
+                                        </p:tav>
+                                        <p:tav tm="96450">
+                                          <p:val>
+                                            <p:fltVal val="0.9996"/>
+                                          </p:val>
+                                        </p:tav>
+                                        <p:tav tm="100000">
+                                          <p:val>
+                                            <p:fltVal val="1"/>
+                                          </p:val>
+                                        </p:tav>
+                                      </p:tavLst>
+                                    </p:anim>
+                                    <p:anim calcmode="lin" valueType="num">
+                                      <p:cBhvr additive="mult">
+                                        <p:cTn id="11" dur="1000" fill="hold"/>
+                                        <p:tgtEl>
+                                          <p:spTgt spid="3"/>
+                                        </p:tgtEl>
+                                        <p:attrNameLst>
+                                          <p:attrName>3d.object.scale.z</p:attrName>
+                                        </p:attrNameLst>
+                                      </p:cBhvr>
+                                      <p:tavLst>
+                                        <p:tav tm="0">
+                                          <p:val>
+                                            <p:fltVal val="0.8"/>
+                                          </p:val>
+                                        </p:tav>
+                                        <p:tav tm="3330">
+                                          <p:val>
+                                            <p:fltVal val="0.8104"/>
+                                          </p:val>
+                                        </p:tav>
+                                        <p:tav tm="6660">
+                                          <p:val>
+                                            <p:fltVal val="0.8208"/>
+                                          </p:val>
+                                        </p:tav>
+                                        <p:tav tm="9990">
+                                          <p:val>
+                                            <p:fltVal val="0.8312"/>
+                                          </p:val>
+                                        </p:tav>
+                                        <p:tav tm="13320">
+                                          <p:val>
+                                            <p:fltVal val="0.8415"/>
+                                          </p:val>
+                                        </p:tav>
+                                        <p:tav tm="16650">
+                                          <p:val>
+                                            <p:fltVal val="0.8517"/>
+                                          </p:val>
+                                        </p:tav>
+                                        <p:tav tm="19970">
+                                          <p:val>
+                                            <p:fltVal val="0.8617"/>
+                                          </p:val>
+                                        </p:tav>
+                                        <p:tav tm="23290">
+                                          <p:val>
+                                            <p:fltVal val="0.8715"/>
+                                          </p:val>
+                                        </p:tav>
+                                        <p:tav tm="26620">
+                                          <p:val>
+                                            <p:fltVal val="0.8812"/>
+                                          </p:val>
+                                        </p:tav>
+                                        <p:tav tm="29950">
+                                          <p:val>
+                                            <p:fltVal val="0.8906"/>
+                                          </p:val>
+                                        </p:tav>
+                                        <p:tav tm="33280">
+                                          <p:val>
+                                            <p:fltVal val="0.8998"/>
+                                          </p:val>
+                                        </p:tav>
+                                        <p:tav tm="36610">
+                                          <p:val>
+                                            <p:fltVal val="0.9087"/>
+                                          </p:val>
+                                        </p:tav>
+                                        <p:tav tm="39940">
+                                          <p:val>
+                                            <p:fltVal val="0.9174"/>
+                                          </p:val>
+                                        </p:tav>
+                                        <p:tav tm="43270">
+                                          <p:val>
+                                            <p:fltVal val="0.9257"/>
+                                          </p:val>
+                                        </p:tav>
+                                        <p:tav tm="46600">
+                                          <p:val>
+                                            <p:fltVal val="0.9336"/>
+                                          </p:val>
+                                        </p:tav>
+                                        <p:tav tm="49930">
+                                          <p:val>
+                                            <p:fltVal val="0.9412"/>
+                                          </p:val>
+                                        </p:tav>
+                                        <p:tav tm="53250">
+                                          <p:val>
+                                            <p:fltVal val="0.9484"/>
+                                          </p:val>
+                                        </p:tav>
+                                        <p:tav tm="56580">
+                                          <p:val>
+                                            <p:fltVal val="0.9552"/>
+                                          </p:val>
+                                        </p:tav>
+                                        <p:tav tm="59900">
+                                          <p:val>
+                                            <p:fltVal val="0.9616"/>
+                                          </p:val>
+                                        </p:tav>
+                                        <p:tav tm="63220">
+                                          <p:val>
+                                            <p:fltVal val="0.9675"/>
+                                          </p:val>
+                                        </p:tav>
+                                        <p:tav tm="66540">
+                                          <p:val>
+                                            <p:fltVal val="0.973"/>
+                                          </p:val>
+                                        </p:tav>
+                                        <p:tav tm="69870">
+                                          <p:val>
+                                            <p:fltVal val="0.978"/>
+                                          </p:val>
+                                        </p:tav>
+                                        <p:tav tm="73190">
+                                          <p:val>
+                                            <p:fltVal val="0.9825"/>
+                                          </p:val>
+                                        </p:tav>
+                                        <p:tav tm="76510">
+                                          <p:val>
+                                            <p:fltVal val="0.9865"/>
+                                          </p:val>
+                                        </p:tav>
+                                        <p:tav tm="79830">
+                                          <p:val>
+                                            <p:fltVal val="0.99"/>
+                                          </p:val>
+                                        </p:tav>
+                                        <p:tav tm="83160">
+                                          <p:val>
+                                            <p:fltVal val="0.993"/>
+                                          </p:val>
+                                        </p:tav>
+                                        <p:tav tm="86480">
+                                          <p:val>
+                                            <p:fltVal val="0.9955"/>
+                                          </p:val>
+                                        </p:tav>
+                                        <p:tav tm="89800">
+                                          <p:val>
+                                            <p:fltVal val="0.9974"/>
+                                          </p:val>
+                                        </p:tav>
+                                        <p:tav tm="93120">
+                                          <p:val>
+                                            <p:fltVal val="0.9988"/>
+                                          </p:val>
+                                        </p:tav>
+                                        <p:tav tm="96450">
+                                          <p:val>
+                                            <p:fltVal val="0.9996"/>
+                                          </p:val>
+                                        </p:tav>
+                                        <p:tav tm="100000">
+                                          <p:val>
+                                            <p:fltVal val="1"/>
+                                          </p:val>
+                                        </p:tav>
+                                      </p:tavLst>
+                                    </p:anim>
+                                  </p:childTnLst>
+                                </p:cTn>
+                              </p:par>
+                              <p:par>
+                                <p:cTn id="12" presetID="26" presetClass="path" presetSubtype="0" accel="50000" decel="50000" fill="hold" nodeType="withEffect">
+                                  <p:stCondLst>
+                                    <p:cond delay="0"/>
+                                  </p:stCondLst>
+                                  <p:childTnLst>
+                                    <p:animMotion origin="layout" path="M 0.00508 -0.08125 C 0.00508 -0.04815 0.0168 -0.0213 0.03138 -0.0213 C 0.04857 -0.0213 0.05482 -0.05116 0.05742 -0.06921 L 0.06016 -0.09329 C 0.06276 -0.11134 0.06927 -0.1412 0.08867 -0.1412 C 0.10104 -0.1412 0.11523 -0.11435 0.11523 -0.08125 C 0.11523 -0.04815 0.10104 -0.0213 0.08867 -0.0213 C 0.06927 -0.0213 0.06276 -0.05116 0.06016 -0.06921 L 0.05742 -0.09329 C 0.05482 -0.11134 0.04857 -0.1412 0.03138 -0.1412 C 0.0168 -0.1412 0.00508 -0.11435 0.00508 -0.08125 Z " pathEditMode="relative" rAng="0" ptsTypes="AAAAAAAAAAA">
+                                      <p:cBhvr>
+                                        <p:cTn id="13" dur="2000" fill="hold"/>
+                                        <p:tgtEl>
+                                          <p:spTgt spid="2"/>
+                                        </p:tgtEl>
+                                        <p:attrNameLst>
+                                          <p:attrName>ppt_x</p:attrName>
+                                          <p:attrName>ppt_y</p:attrName>
+                                        </p:attrNameLst>
+                                      </p:cBhvr>
+                                      <p:rCtr x="5508" y="0"/>
+                                    </p:animMotion>
+                                  </p:childTnLst>
+                                </p:cTn>
+                              </p:par>
+                            </p:childTnLst>
+                          </p:cTn>
+                        </p:par>
+                      </p:childTnLst>
+                    </p:cTn>
+                  </p:par>
+                </p:childTnLst>
+              </p:cTn>
+              <p:prevCondLst>
+                <p:cond evt="onPrev" delay="0">
+                  <p:tgtEl>
+                    <p:sldTgt/>
+                  </p:tgtEl>
+                </p:cond>
+              </p:prevCondLst>
+              <p:nextCondLst>
+                <p:cond evt="onNext" delay="0">
+                  <p:tgtEl>
+                    <p:sldTgt/>
+                  </p:tgtEl>
+                </p:cond>
+              </p:nextCondLst>
+            </p:seq>
+          </p:childTnLst>
+        </p:cTn>
+      </p:par>
+    </p:tnLst>
   </p:timing>
 </p:sld>
 </file>
